--- a/CR - Cost Report/Preparation oral/Environmental_influence_of_vehicle_production.pptx
+++ b/CR - Cost Report/Preparation oral/Environmental_influence_of_vehicle_production.pptx
@@ -2186,190 +2186,6 @@
         </dgm:presLayoutVars>
       </dgm:prSet>
       <dgm:spPr/>
-    </dgm:pt>
-    <dgm:pt modelId="{8CCEBCBB-68E3-4980-ABF1-94A4746F1F74}" type="pres">
-      <dgm:prSet presAssocID="{9079C811-FE04-4BFA-A341-F08CEA611C5D}" presName="hierRoot1" presStyleCnt="0">
-        <dgm:presLayoutVars>
-          <dgm:hierBranch val="init"/>
-        </dgm:presLayoutVars>
-      </dgm:prSet>
-      <dgm:spPr/>
-    </dgm:pt>
-    <dgm:pt modelId="{C12552ED-7BDE-405D-82C9-B34240B16F30}" type="pres">
-      <dgm:prSet presAssocID="{9079C811-FE04-4BFA-A341-F08CEA611C5D}" presName="rootComposite1" presStyleCnt="0"/>
-      <dgm:spPr/>
-    </dgm:pt>
-    <dgm:pt modelId="{4CCBAF51-FFAB-47ED-A0B1-93CAE1FAE411}" type="pres">
-      <dgm:prSet presAssocID="{9079C811-FE04-4BFA-A341-F08CEA611C5D}" presName="rootText1" presStyleLbl="node0" presStyleIdx="0" presStyleCnt="1">
-        <dgm:presLayoutVars>
-          <dgm:chPref val="3"/>
-        </dgm:presLayoutVars>
-      </dgm:prSet>
-      <dgm:spPr/>
-    </dgm:pt>
-    <dgm:pt modelId="{821279BA-1C17-4BF9-A9C8-89BEBE56BB56}" type="pres">
-      <dgm:prSet presAssocID="{9079C811-FE04-4BFA-A341-F08CEA611C5D}" presName="rootConnector1" presStyleLbl="node1" presStyleIdx="0" presStyleCnt="0"/>
-      <dgm:spPr/>
-    </dgm:pt>
-    <dgm:pt modelId="{40144BB7-3EA2-4E6B-90A6-F1F66F0B6AD3}" type="pres">
-      <dgm:prSet presAssocID="{9079C811-FE04-4BFA-A341-F08CEA611C5D}" presName="hierChild2" presStyleCnt="0"/>
-      <dgm:spPr/>
-    </dgm:pt>
-    <dgm:pt modelId="{03CBFED5-7CB4-4E66-A0C1-DDACBD020FFF}" type="pres">
-      <dgm:prSet presAssocID="{85C07CC5-43CF-48FA-97AF-384A830AA376}" presName="Name37" presStyleLbl="parChTrans1D2" presStyleIdx="0" presStyleCnt="2"/>
-      <dgm:spPr/>
-    </dgm:pt>
-    <dgm:pt modelId="{87C528A9-07E6-433B-B01D-50B8DE8D8977}" type="pres">
-      <dgm:prSet presAssocID="{C081C201-86AA-4644-B447-6F5A635F5EA6}" presName="hierRoot2" presStyleCnt="0">
-        <dgm:presLayoutVars>
-          <dgm:hierBranch val="init"/>
-        </dgm:presLayoutVars>
-      </dgm:prSet>
-      <dgm:spPr/>
-    </dgm:pt>
-    <dgm:pt modelId="{8C1B57B4-F0D2-438A-850C-A05469E5D7C1}" type="pres">
-      <dgm:prSet presAssocID="{C081C201-86AA-4644-B447-6F5A635F5EA6}" presName="rootComposite" presStyleCnt="0"/>
-      <dgm:spPr/>
-    </dgm:pt>
-    <dgm:pt modelId="{EA296881-A80D-455E-A6E9-DCE5035C7FF1}" type="pres">
-      <dgm:prSet presAssocID="{C081C201-86AA-4644-B447-6F5A635F5EA6}" presName="rootText" presStyleLbl="node2" presStyleIdx="0" presStyleCnt="2">
-        <dgm:presLayoutVars>
-          <dgm:chPref val="3"/>
-        </dgm:presLayoutVars>
-      </dgm:prSet>
-      <dgm:spPr/>
-    </dgm:pt>
-    <dgm:pt modelId="{12BED6E3-B513-4263-9D37-E4FB50723FDC}" type="pres">
-      <dgm:prSet presAssocID="{C081C201-86AA-4644-B447-6F5A635F5EA6}" presName="rootConnector" presStyleLbl="node2" presStyleIdx="0" presStyleCnt="2"/>
-      <dgm:spPr/>
-    </dgm:pt>
-    <dgm:pt modelId="{9BB9A864-C1A4-4D74-B1E7-211BE773C592}" type="pres">
-      <dgm:prSet presAssocID="{C081C201-86AA-4644-B447-6F5A635F5EA6}" presName="hierChild4" presStyleCnt="0"/>
-      <dgm:spPr/>
-    </dgm:pt>
-    <dgm:pt modelId="{49737D44-CBFD-4376-995C-716FC547E887}" type="pres">
-      <dgm:prSet presAssocID="{5321D437-11E0-412A-83A4-1C0F11C167B7}" presName="Name37" presStyleLbl="parChTrans1D3" presStyleIdx="0" presStyleCnt="3"/>
-      <dgm:spPr/>
-    </dgm:pt>
-    <dgm:pt modelId="{D7D4BC69-542E-49D2-85F1-DBB2539B97A8}" type="pres">
-      <dgm:prSet presAssocID="{A188F746-EA86-4E01-8408-C826D43FE19A}" presName="hierRoot2" presStyleCnt="0">
-        <dgm:presLayoutVars>
-          <dgm:hierBranch val="init"/>
-        </dgm:presLayoutVars>
-      </dgm:prSet>
-      <dgm:spPr/>
-    </dgm:pt>
-    <dgm:pt modelId="{024F1C5B-4AEF-4FD1-A210-B25033EE082B}" type="pres">
-      <dgm:prSet presAssocID="{A188F746-EA86-4E01-8408-C826D43FE19A}" presName="rootComposite" presStyleCnt="0"/>
-      <dgm:spPr/>
-    </dgm:pt>
-    <dgm:pt modelId="{0763B95C-AB35-47C0-8E58-73C68A2DA5EB}" type="pres">
-      <dgm:prSet presAssocID="{A188F746-EA86-4E01-8408-C826D43FE19A}" presName="rootText" presStyleLbl="node3" presStyleIdx="0" presStyleCnt="3">
-        <dgm:presLayoutVars>
-          <dgm:chPref val="3"/>
-        </dgm:presLayoutVars>
-      </dgm:prSet>
-      <dgm:spPr/>
-    </dgm:pt>
-    <dgm:pt modelId="{83547A8C-3580-4339-A20C-139FD9CEFB8F}" type="pres">
-      <dgm:prSet presAssocID="{A188F746-EA86-4E01-8408-C826D43FE19A}" presName="rootConnector" presStyleLbl="node3" presStyleIdx="0" presStyleCnt="3"/>
-      <dgm:spPr/>
-    </dgm:pt>
-    <dgm:pt modelId="{3FDB558A-95BE-4368-8112-AEA2D191B920}" type="pres">
-      <dgm:prSet presAssocID="{A188F746-EA86-4E01-8408-C826D43FE19A}" presName="hierChild4" presStyleCnt="0"/>
-      <dgm:spPr/>
-    </dgm:pt>
-    <dgm:pt modelId="{F01BCABA-0342-400A-AD02-CF7EC4C86112}" type="pres">
-      <dgm:prSet presAssocID="{A188F746-EA86-4E01-8408-C826D43FE19A}" presName="hierChild5" presStyleCnt="0"/>
-      <dgm:spPr/>
-    </dgm:pt>
-    <dgm:pt modelId="{E0C2A674-F8F1-4FDA-A8CB-C24144D74AF0}" type="pres">
-      <dgm:prSet presAssocID="{DA9E2C1E-0187-48FB-A0EB-DF74762E517C}" presName="Name37" presStyleLbl="parChTrans1D3" presStyleIdx="1" presStyleCnt="3"/>
-      <dgm:spPr/>
-    </dgm:pt>
-    <dgm:pt modelId="{22AE789F-6423-4AE1-AB5D-9C44BC4998E7}" type="pres">
-      <dgm:prSet presAssocID="{6374D5AE-7B94-4D37-A09F-683B4B7D6452}" presName="hierRoot2" presStyleCnt="0">
-        <dgm:presLayoutVars>
-          <dgm:hierBranch val="init"/>
-        </dgm:presLayoutVars>
-      </dgm:prSet>
-      <dgm:spPr/>
-    </dgm:pt>
-    <dgm:pt modelId="{CB92D296-2154-4415-A37A-A28E10C175D7}" type="pres">
-      <dgm:prSet presAssocID="{6374D5AE-7B94-4D37-A09F-683B4B7D6452}" presName="rootComposite" presStyleCnt="0"/>
-      <dgm:spPr/>
-    </dgm:pt>
-    <dgm:pt modelId="{8ABBE64E-BE45-4C2F-A8A7-8B11E8240620}" type="pres">
-      <dgm:prSet presAssocID="{6374D5AE-7B94-4D37-A09F-683B4B7D6452}" presName="rootText" presStyleLbl="node3" presStyleIdx="1" presStyleCnt="3">
-        <dgm:presLayoutVars>
-          <dgm:chPref val="3"/>
-        </dgm:presLayoutVars>
-      </dgm:prSet>
-      <dgm:spPr/>
-    </dgm:pt>
-    <dgm:pt modelId="{DF409CE4-A17B-4C22-AB90-12DEBA792263}" type="pres">
-      <dgm:prSet presAssocID="{6374D5AE-7B94-4D37-A09F-683B4B7D6452}" presName="rootConnector" presStyleLbl="node3" presStyleIdx="1" presStyleCnt="3"/>
-      <dgm:spPr/>
-    </dgm:pt>
-    <dgm:pt modelId="{264D7CC4-83A9-40E7-9D75-B25013A2EC00}" type="pres">
-      <dgm:prSet presAssocID="{6374D5AE-7B94-4D37-A09F-683B4B7D6452}" presName="hierChild4" presStyleCnt="0"/>
-      <dgm:spPr/>
-    </dgm:pt>
-    <dgm:pt modelId="{0BBA0365-C71B-48C6-9BBA-9E5AA4A9684E}" type="pres">
-      <dgm:prSet presAssocID="{FBDC385D-F17A-4285-A3EA-75C869EE9F1C}" presName="Name37" presStyleLbl="parChTrans1D4" presStyleIdx="0" presStyleCnt="4"/>
-      <dgm:spPr/>
-    </dgm:pt>
-    <dgm:pt modelId="{B3D6D84B-57B0-4F71-8945-6412249139C0}" type="pres">
-      <dgm:prSet presAssocID="{0CCBFCD9-BDE5-430F-9150-682A8E12743F}" presName="hierRoot2" presStyleCnt="0">
-        <dgm:presLayoutVars>
-          <dgm:hierBranch val="init"/>
-        </dgm:presLayoutVars>
-      </dgm:prSet>
-      <dgm:spPr/>
-    </dgm:pt>
-    <dgm:pt modelId="{70BEB307-E7E1-4396-9639-A4955EF5DDA0}" type="pres">
-      <dgm:prSet presAssocID="{0CCBFCD9-BDE5-430F-9150-682A8E12743F}" presName="rootComposite" presStyleCnt="0"/>
-      <dgm:spPr/>
-    </dgm:pt>
-    <dgm:pt modelId="{66E4B0A2-8CC4-4611-ADB7-AE0BB121A095}" type="pres">
-      <dgm:prSet presAssocID="{0CCBFCD9-BDE5-430F-9150-682A8E12743F}" presName="rootText" presStyleLbl="node4" presStyleIdx="0" presStyleCnt="4">
-        <dgm:presLayoutVars>
-          <dgm:chPref val="3"/>
-        </dgm:presLayoutVars>
-      </dgm:prSet>
-      <dgm:spPr/>
-    </dgm:pt>
-    <dgm:pt modelId="{9CFB1031-F8AA-445C-A3E4-BC129B954DA9}" type="pres">
-      <dgm:prSet presAssocID="{0CCBFCD9-BDE5-430F-9150-682A8E12743F}" presName="rootConnector" presStyleLbl="node4" presStyleIdx="0" presStyleCnt="4"/>
-      <dgm:spPr/>
-    </dgm:pt>
-    <dgm:pt modelId="{5E65A59D-856B-49F3-A48A-0FEA8F2A26EC}" type="pres">
-      <dgm:prSet presAssocID="{0CCBFCD9-BDE5-430F-9150-682A8E12743F}" presName="hierChild4" presStyleCnt="0"/>
-      <dgm:spPr/>
-    </dgm:pt>
-    <dgm:pt modelId="{4329131C-DF39-4BD2-9525-364140AF6AAD}" type="pres">
-      <dgm:prSet presAssocID="{6414A6F1-9077-475A-A0FF-E3282556DBC9}" presName="Name37" presStyleLbl="parChTrans1D4" presStyleIdx="1" presStyleCnt="4"/>
-      <dgm:spPr/>
-    </dgm:pt>
-    <dgm:pt modelId="{2BEF7E36-A452-41D3-BF88-0010B6F0D680}" type="pres">
-      <dgm:prSet presAssocID="{9E2CA191-90B3-484D-A425-8CACA7B6208F}" presName="hierRoot2" presStyleCnt="0">
-        <dgm:presLayoutVars>
-          <dgm:hierBranch val="init"/>
-        </dgm:presLayoutVars>
-      </dgm:prSet>
-      <dgm:spPr/>
-    </dgm:pt>
-    <dgm:pt modelId="{2E1281E0-0923-467F-A0B5-43FE0658C59E}" type="pres">
-      <dgm:prSet presAssocID="{9E2CA191-90B3-484D-A425-8CACA7B6208F}" presName="rootComposite" presStyleCnt="0"/>
-      <dgm:spPr/>
-    </dgm:pt>
-    <dgm:pt modelId="{2CA4A5E4-E654-4623-BC05-F439A574FE3F}" type="pres">
-      <dgm:prSet presAssocID="{9E2CA191-90B3-484D-A425-8CACA7B6208F}" presName="rootText" presStyleLbl="node4" presStyleIdx="1" presStyleCnt="4">
-        <dgm:presLayoutVars>
-          <dgm:chPref val="3"/>
-        </dgm:presLayoutVars>
-      </dgm:prSet>
-      <dgm:spPr/>
       <dgm:t>
         <a:bodyPr/>
         <a:lstStyle/>
@@ -2378,72 +2194,20 @@
         </a:p>
       </dgm:t>
     </dgm:pt>
-    <dgm:pt modelId="{160CF157-22FC-4035-A318-FB2B8CA4C3B5}" type="pres">
-      <dgm:prSet presAssocID="{9E2CA191-90B3-484D-A425-8CACA7B6208F}" presName="rootConnector" presStyleLbl="node4" presStyleIdx="1" presStyleCnt="4"/>
-      <dgm:spPr/>
-    </dgm:pt>
-    <dgm:pt modelId="{ABA1C07F-388D-4323-AD8C-6D4261865855}" type="pres">
-      <dgm:prSet presAssocID="{9E2CA191-90B3-484D-A425-8CACA7B6208F}" presName="hierChild4" presStyleCnt="0"/>
-      <dgm:spPr/>
-    </dgm:pt>
-    <dgm:pt modelId="{07D058B8-9624-4A73-8C66-7E4E36717480}" type="pres">
-      <dgm:prSet presAssocID="{9E2CA191-90B3-484D-A425-8CACA7B6208F}" presName="hierChild5" presStyleCnt="0"/>
-      <dgm:spPr/>
-    </dgm:pt>
-    <dgm:pt modelId="{995737FF-8A45-4FDA-BD11-79B6EC0935BA}" type="pres">
-      <dgm:prSet presAssocID="{0CCBFCD9-BDE5-430F-9150-682A8E12743F}" presName="hierChild5" presStyleCnt="0"/>
-      <dgm:spPr/>
-    </dgm:pt>
-    <dgm:pt modelId="{597641D8-FD44-4D79-AB4B-78314A463D97}" type="pres">
-      <dgm:prSet presAssocID="{5F20556B-C008-4D51-B7A5-3CDD07EE5570}" presName="Name37" presStyleLbl="parChTrans1D4" presStyleIdx="2" presStyleCnt="4"/>
-      <dgm:spPr/>
-    </dgm:pt>
-    <dgm:pt modelId="{9B2D7543-6D34-46CA-A84C-A59EE48D6B73}" type="pres">
-      <dgm:prSet presAssocID="{96C5EBD3-D1F8-4B5E-9323-74DA96AA80DC}" presName="hierRoot2" presStyleCnt="0">
+    <dgm:pt modelId="{8CCEBCBB-68E3-4980-ABF1-94A4746F1F74}" type="pres">
+      <dgm:prSet presAssocID="{9079C811-FE04-4BFA-A341-F08CEA611C5D}" presName="hierRoot1" presStyleCnt="0">
         <dgm:presLayoutVars>
           <dgm:hierBranch val="init"/>
         </dgm:presLayoutVars>
       </dgm:prSet>
       <dgm:spPr/>
     </dgm:pt>
-    <dgm:pt modelId="{BC6F0994-EDA4-43E3-AB38-D295DCBCC38B}" type="pres">
-      <dgm:prSet presAssocID="{96C5EBD3-D1F8-4B5E-9323-74DA96AA80DC}" presName="rootComposite" presStyleCnt="0"/>
-      <dgm:spPr/>
-    </dgm:pt>
-    <dgm:pt modelId="{1146006F-D664-4057-9D6C-36DC0AEACD82}" type="pres">
-      <dgm:prSet presAssocID="{96C5EBD3-D1F8-4B5E-9323-74DA96AA80DC}" presName="rootText" presStyleLbl="node4" presStyleIdx="2" presStyleCnt="4">
-        <dgm:presLayoutVars>
-          <dgm:chPref val="3"/>
-        </dgm:presLayoutVars>
-      </dgm:prSet>
-      <dgm:spPr/>
-    </dgm:pt>
-    <dgm:pt modelId="{049AA7D3-EA7E-4C70-A7DC-B19E2306549F}" type="pres">
-      <dgm:prSet presAssocID="{96C5EBD3-D1F8-4B5E-9323-74DA96AA80DC}" presName="rootConnector" presStyleLbl="node4" presStyleIdx="2" presStyleCnt="4"/>
-      <dgm:spPr/>
-    </dgm:pt>
-    <dgm:pt modelId="{16FC8783-8202-449F-AB66-514FC5D1BC1F}" type="pres">
-      <dgm:prSet presAssocID="{96C5EBD3-D1F8-4B5E-9323-74DA96AA80DC}" presName="hierChild4" presStyleCnt="0"/>
-      <dgm:spPr/>
-    </dgm:pt>
-    <dgm:pt modelId="{191E9D97-8581-4252-990E-C6ED5BC978E9}" type="pres">
-      <dgm:prSet presAssocID="{B5457C13-458D-4D1F-B40E-04143ACC57FC}" presName="Name37" presStyleLbl="parChTrans1D4" presStyleIdx="3" presStyleCnt="4"/>
-      <dgm:spPr/>
-    </dgm:pt>
-    <dgm:pt modelId="{33BEE8D9-AB33-4B82-8ECA-E9922DF8306A}" type="pres">
-      <dgm:prSet presAssocID="{9B4D96FD-EBA5-4A8C-96E8-872B0B756E4A}" presName="hierRoot2" presStyleCnt="0">
-        <dgm:presLayoutVars>
-          <dgm:hierBranch val="init"/>
-        </dgm:presLayoutVars>
-      </dgm:prSet>
-      <dgm:spPr/>
-    </dgm:pt>
-    <dgm:pt modelId="{EAB1B539-ECFA-4CC4-AD89-CA5A91B3D06B}" type="pres">
-      <dgm:prSet presAssocID="{9B4D96FD-EBA5-4A8C-96E8-872B0B756E4A}" presName="rootComposite" presStyleCnt="0"/>
-      <dgm:spPr/>
-    </dgm:pt>
-    <dgm:pt modelId="{B685413B-1FA6-4271-A4D2-2216EA43D6E8}" type="pres">
-      <dgm:prSet presAssocID="{9B4D96FD-EBA5-4A8C-96E8-872B0B756E4A}" presName="rootText" presStyleLbl="node4" presStyleIdx="3" presStyleCnt="4">
+    <dgm:pt modelId="{C12552ED-7BDE-405D-82C9-B34240B16F30}" type="pres">
+      <dgm:prSet presAssocID="{9079C811-FE04-4BFA-A341-F08CEA611C5D}" presName="rootComposite1" presStyleCnt="0"/>
+      <dgm:spPr/>
+    </dgm:pt>
+    <dgm:pt modelId="{4CCBAF51-FFAB-47ED-A0B1-93CAE1FAE411}" type="pres">
+      <dgm:prSet presAssocID="{9079C811-FE04-4BFA-A341-F08CEA611C5D}" presName="rootText1" presStyleLbl="node0" presStyleIdx="0" presStyleCnt="1">
         <dgm:presLayoutVars>
           <dgm:chPref val="3"/>
         </dgm:presLayoutVars>
@@ -2457,48 +2221,8 @@
         </a:p>
       </dgm:t>
     </dgm:pt>
-    <dgm:pt modelId="{E007EA09-793B-44DA-B26C-B9A88A826AF3}" type="pres">
-      <dgm:prSet presAssocID="{9B4D96FD-EBA5-4A8C-96E8-872B0B756E4A}" presName="rootConnector" presStyleLbl="node4" presStyleIdx="3" presStyleCnt="4"/>
-      <dgm:spPr/>
-    </dgm:pt>
-    <dgm:pt modelId="{71A2E2AD-0898-4300-8BD4-B245C843FE5D}" type="pres">
-      <dgm:prSet presAssocID="{9B4D96FD-EBA5-4A8C-96E8-872B0B756E4A}" presName="hierChild4" presStyleCnt="0"/>
-      <dgm:spPr/>
-    </dgm:pt>
-    <dgm:pt modelId="{B3A304DC-7235-40C9-8971-58DF6D7D870D}" type="pres">
-      <dgm:prSet presAssocID="{9B4D96FD-EBA5-4A8C-96E8-872B0B756E4A}" presName="hierChild5" presStyleCnt="0"/>
-      <dgm:spPr/>
-    </dgm:pt>
-    <dgm:pt modelId="{1E32328A-D2DD-4870-B903-9FAF723EA706}" type="pres">
-      <dgm:prSet presAssocID="{96C5EBD3-D1F8-4B5E-9323-74DA96AA80DC}" presName="hierChild5" presStyleCnt="0"/>
-      <dgm:spPr/>
-    </dgm:pt>
-    <dgm:pt modelId="{6202BF86-0C15-4B0B-B44D-BF16B166F76C}" type="pres">
-      <dgm:prSet presAssocID="{6374D5AE-7B94-4D37-A09F-683B4B7D6452}" presName="hierChild5" presStyleCnt="0"/>
-      <dgm:spPr/>
-    </dgm:pt>
-    <dgm:pt modelId="{1DD75536-0A71-40A9-AB10-E54C5E4F4DDD}" type="pres">
-      <dgm:prSet presAssocID="{4ECE3366-8E43-47A1-9C81-F94CF93B30B7}" presName="Name37" presStyleLbl="parChTrans1D3" presStyleIdx="2" presStyleCnt="3"/>
-      <dgm:spPr/>
-    </dgm:pt>
-    <dgm:pt modelId="{FA684FBC-C6BD-45ED-93C6-56ADED5920C7}" type="pres">
-      <dgm:prSet presAssocID="{B520FFB1-40B5-4116-87F2-010A2032D9EA}" presName="hierRoot2" presStyleCnt="0">
-        <dgm:presLayoutVars>
-          <dgm:hierBranch val="init"/>
-        </dgm:presLayoutVars>
-      </dgm:prSet>
-      <dgm:spPr/>
-    </dgm:pt>
-    <dgm:pt modelId="{AE0C8217-04AD-45C2-A812-4A953F392F8A}" type="pres">
-      <dgm:prSet presAssocID="{B520FFB1-40B5-4116-87F2-010A2032D9EA}" presName="rootComposite" presStyleCnt="0"/>
-      <dgm:spPr/>
-    </dgm:pt>
-    <dgm:pt modelId="{F1A8CC5E-C3CA-4E71-B7CD-A077C2308876}" type="pres">
-      <dgm:prSet presAssocID="{B520FFB1-40B5-4116-87F2-010A2032D9EA}" presName="rootText" presStyleLbl="node3" presStyleIdx="2" presStyleCnt="3">
-        <dgm:presLayoutVars>
-          <dgm:chPref val="3"/>
-        </dgm:presLayoutVars>
-      </dgm:prSet>
+    <dgm:pt modelId="{821279BA-1C17-4BF9-A9C8-89BEBE56BB56}" type="pres">
+      <dgm:prSet presAssocID="{9079C811-FE04-4BFA-A341-F08CEA611C5D}" presName="rootConnector1" presStyleLbl="node1" presStyleIdx="0" presStyleCnt="0"/>
       <dgm:spPr/>
       <dgm:t>
         <a:bodyPr/>
@@ -2508,9 +2232,453 @@
         </a:p>
       </dgm:t>
     </dgm:pt>
+    <dgm:pt modelId="{40144BB7-3EA2-4E6B-90A6-F1F66F0B6AD3}" type="pres">
+      <dgm:prSet presAssocID="{9079C811-FE04-4BFA-A341-F08CEA611C5D}" presName="hierChild2" presStyleCnt="0"/>
+      <dgm:spPr/>
+    </dgm:pt>
+    <dgm:pt modelId="{03CBFED5-7CB4-4E66-A0C1-DDACBD020FFF}" type="pres">
+      <dgm:prSet presAssocID="{85C07CC5-43CF-48FA-97AF-384A830AA376}" presName="Name37" presStyleLbl="parChTrans1D2" presStyleIdx="0" presStyleCnt="2"/>
+      <dgm:spPr/>
+      <dgm:t>
+        <a:bodyPr/>
+        <a:lstStyle/>
+        <a:p>
+          <a:endParaRPr lang="fr-FR"/>
+        </a:p>
+      </dgm:t>
+    </dgm:pt>
+    <dgm:pt modelId="{87C528A9-07E6-433B-B01D-50B8DE8D8977}" type="pres">
+      <dgm:prSet presAssocID="{C081C201-86AA-4644-B447-6F5A635F5EA6}" presName="hierRoot2" presStyleCnt="0">
+        <dgm:presLayoutVars>
+          <dgm:hierBranch val="init"/>
+        </dgm:presLayoutVars>
+      </dgm:prSet>
+      <dgm:spPr/>
+    </dgm:pt>
+    <dgm:pt modelId="{8C1B57B4-F0D2-438A-850C-A05469E5D7C1}" type="pres">
+      <dgm:prSet presAssocID="{C081C201-86AA-4644-B447-6F5A635F5EA6}" presName="rootComposite" presStyleCnt="0"/>
+      <dgm:spPr/>
+    </dgm:pt>
+    <dgm:pt modelId="{EA296881-A80D-455E-A6E9-DCE5035C7FF1}" type="pres">
+      <dgm:prSet presAssocID="{C081C201-86AA-4644-B447-6F5A635F5EA6}" presName="rootText" presStyleLbl="node2" presStyleIdx="0" presStyleCnt="2">
+        <dgm:presLayoutVars>
+          <dgm:chPref val="3"/>
+        </dgm:presLayoutVars>
+      </dgm:prSet>
+      <dgm:spPr/>
+      <dgm:t>
+        <a:bodyPr/>
+        <a:lstStyle/>
+        <a:p>
+          <a:endParaRPr lang="fr-FR"/>
+        </a:p>
+      </dgm:t>
+    </dgm:pt>
+    <dgm:pt modelId="{12BED6E3-B513-4263-9D37-E4FB50723FDC}" type="pres">
+      <dgm:prSet presAssocID="{C081C201-86AA-4644-B447-6F5A635F5EA6}" presName="rootConnector" presStyleLbl="node2" presStyleIdx="0" presStyleCnt="2"/>
+      <dgm:spPr/>
+      <dgm:t>
+        <a:bodyPr/>
+        <a:lstStyle/>
+        <a:p>
+          <a:endParaRPr lang="fr-FR"/>
+        </a:p>
+      </dgm:t>
+    </dgm:pt>
+    <dgm:pt modelId="{9BB9A864-C1A4-4D74-B1E7-211BE773C592}" type="pres">
+      <dgm:prSet presAssocID="{C081C201-86AA-4644-B447-6F5A635F5EA6}" presName="hierChild4" presStyleCnt="0"/>
+      <dgm:spPr/>
+    </dgm:pt>
+    <dgm:pt modelId="{49737D44-CBFD-4376-995C-716FC547E887}" type="pres">
+      <dgm:prSet presAssocID="{5321D437-11E0-412A-83A4-1C0F11C167B7}" presName="Name37" presStyleLbl="parChTrans1D3" presStyleIdx="0" presStyleCnt="3"/>
+      <dgm:spPr/>
+      <dgm:t>
+        <a:bodyPr/>
+        <a:lstStyle/>
+        <a:p>
+          <a:endParaRPr lang="fr-FR"/>
+        </a:p>
+      </dgm:t>
+    </dgm:pt>
+    <dgm:pt modelId="{D7D4BC69-542E-49D2-85F1-DBB2539B97A8}" type="pres">
+      <dgm:prSet presAssocID="{A188F746-EA86-4E01-8408-C826D43FE19A}" presName="hierRoot2" presStyleCnt="0">
+        <dgm:presLayoutVars>
+          <dgm:hierBranch val="init"/>
+        </dgm:presLayoutVars>
+      </dgm:prSet>
+      <dgm:spPr/>
+    </dgm:pt>
+    <dgm:pt modelId="{024F1C5B-4AEF-4FD1-A210-B25033EE082B}" type="pres">
+      <dgm:prSet presAssocID="{A188F746-EA86-4E01-8408-C826D43FE19A}" presName="rootComposite" presStyleCnt="0"/>
+      <dgm:spPr/>
+    </dgm:pt>
+    <dgm:pt modelId="{0763B95C-AB35-47C0-8E58-73C68A2DA5EB}" type="pres">
+      <dgm:prSet presAssocID="{A188F746-EA86-4E01-8408-C826D43FE19A}" presName="rootText" presStyleLbl="node3" presStyleIdx="0" presStyleCnt="3">
+        <dgm:presLayoutVars>
+          <dgm:chPref val="3"/>
+        </dgm:presLayoutVars>
+      </dgm:prSet>
+      <dgm:spPr/>
+      <dgm:t>
+        <a:bodyPr/>
+        <a:lstStyle/>
+        <a:p>
+          <a:endParaRPr lang="fr-FR"/>
+        </a:p>
+      </dgm:t>
+    </dgm:pt>
+    <dgm:pt modelId="{83547A8C-3580-4339-A20C-139FD9CEFB8F}" type="pres">
+      <dgm:prSet presAssocID="{A188F746-EA86-4E01-8408-C826D43FE19A}" presName="rootConnector" presStyleLbl="node3" presStyleIdx="0" presStyleCnt="3"/>
+      <dgm:spPr/>
+      <dgm:t>
+        <a:bodyPr/>
+        <a:lstStyle/>
+        <a:p>
+          <a:endParaRPr lang="fr-FR"/>
+        </a:p>
+      </dgm:t>
+    </dgm:pt>
+    <dgm:pt modelId="{3FDB558A-95BE-4368-8112-AEA2D191B920}" type="pres">
+      <dgm:prSet presAssocID="{A188F746-EA86-4E01-8408-C826D43FE19A}" presName="hierChild4" presStyleCnt="0"/>
+      <dgm:spPr/>
+    </dgm:pt>
+    <dgm:pt modelId="{F01BCABA-0342-400A-AD02-CF7EC4C86112}" type="pres">
+      <dgm:prSet presAssocID="{A188F746-EA86-4E01-8408-C826D43FE19A}" presName="hierChild5" presStyleCnt="0"/>
+      <dgm:spPr/>
+    </dgm:pt>
+    <dgm:pt modelId="{E0C2A674-F8F1-4FDA-A8CB-C24144D74AF0}" type="pres">
+      <dgm:prSet presAssocID="{DA9E2C1E-0187-48FB-A0EB-DF74762E517C}" presName="Name37" presStyleLbl="parChTrans1D3" presStyleIdx="1" presStyleCnt="3"/>
+      <dgm:spPr/>
+      <dgm:t>
+        <a:bodyPr/>
+        <a:lstStyle/>
+        <a:p>
+          <a:endParaRPr lang="fr-FR"/>
+        </a:p>
+      </dgm:t>
+    </dgm:pt>
+    <dgm:pt modelId="{22AE789F-6423-4AE1-AB5D-9C44BC4998E7}" type="pres">
+      <dgm:prSet presAssocID="{6374D5AE-7B94-4D37-A09F-683B4B7D6452}" presName="hierRoot2" presStyleCnt="0">
+        <dgm:presLayoutVars>
+          <dgm:hierBranch val="init"/>
+        </dgm:presLayoutVars>
+      </dgm:prSet>
+      <dgm:spPr/>
+    </dgm:pt>
+    <dgm:pt modelId="{CB92D296-2154-4415-A37A-A28E10C175D7}" type="pres">
+      <dgm:prSet presAssocID="{6374D5AE-7B94-4D37-A09F-683B4B7D6452}" presName="rootComposite" presStyleCnt="0"/>
+      <dgm:spPr/>
+    </dgm:pt>
+    <dgm:pt modelId="{8ABBE64E-BE45-4C2F-A8A7-8B11E8240620}" type="pres">
+      <dgm:prSet presAssocID="{6374D5AE-7B94-4D37-A09F-683B4B7D6452}" presName="rootText" presStyleLbl="node3" presStyleIdx="1" presStyleCnt="3">
+        <dgm:presLayoutVars>
+          <dgm:chPref val="3"/>
+        </dgm:presLayoutVars>
+      </dgm:prSet>
+      <dgm:spPr/>
+      <dgm:t>
+        <a:bodyPr/>
+        <a:lstStyle/>
+        <a:p>
+          <a:endParaRPr lang="fr-FR"/>
+        </a:p>
+      </dgm:t>
+    </dgm:pt>
+    <dgm:pt modelId="{DF409CE4-A17B-4C22-AB90-12DEBA792263}" type="pres">
+      <dgm:prSet presAssocID="{6374D5AE-7B94-4D37-A09F-683B4B7D6452}" presName="rootConnector" presStyleLbl="node3" presStyleIdx="1" presStyleCnt="3"/>
+      <dgm:spPr/>
+      <dgm:t>
+        <a:bodyPr/>
+        <a:lstStyle/>
+        <a:p>
+          <a:endParaRPr lang="fr-FR"/>
+        </a:p>
+      </dgm:t>
+    </dgm:pt>
+    <dgm:pt modelId="{264D7CC4-83A9-40E7-9D75-B25013A2EC00}" type="pres">
+      <dgm:prSet presAssocID="{6374D5AE-7B94-4D37-A09F-683B4B7D6452}" presName="hierChild4" presStyleCnt="0"/>
+      <dgm:spPr/>
+    </dgm:pt>
+    <dgm:pt modelId="{0BBA0365-C71B-48C6-9BBA-9E5AA4A9684E}" type="pres">
+      <dgm:prSet presAssocID="{FBDC385D-F17A-4285-A3EA-75C869EE9F1C}" presName="Name37" presStyleLbl="parChTrans1D4" presStyleIdx="0" presStyleCnt="4"/>
+      <dgm:spPr/>
+      <dgm:t>
+        <a:bodyPr/>
+        <a:lstStyle/>
+        <a:p>
+          <a:endParaRPr lang="fr-FR"/>
+        </a:p>
+      </dgm:t>
+    </dgm:pt>
+    <dgm:pt modelId="{B3D6D84B-57B0-4F71-8945-6412249139C0}" type="pres">
+      <dgm:prSet presAssocID="{0CCBFCD9-BDE5-430F-9150-682A8E12743F}" presName="hierRoot2" presStyleCnt="0">
+        <dgm:presLayoutVars>
+          <dgm:hierBranch val="init"/>
+        </dgm:presLayoutVars>
+      </dgm:prSet>
+      <dgm:spPr/>
+    </dgm:pt>
+    <dgm:pt modelId="{70BEB307-E7E1-4396-9639-A4955EF5DDA0}" type="pres">
+      <dgm:prSet presAssocID="{0CCBFCD9-BDE5-430F-9150-682A8E12743F}" presName="rootComposite" presStyleCnt="0"/>
+      <dgm:spPr/>
+    </dgm:pt>
+    <dgm:pt modelId="{66E4B0A2-8CC4-4611-ADB7-AE0BB121A095}" type="pres">
+      <dgm:prSet presAssocID="{0CCBFCD9-BDE5-430F-9150-682A8E12743F}" presName="rootText" presStyleLbl="node4" presStyleIdx="0" presStyleCnt="4">
+        <dgm:presLayoutVars>
+          <dgm:chPref val="3"/>
+        </dgm:presLayoutVars>
+      </dgm:prSet>
+      <dgm:spPr/>
+      <dgm:t>
+        <a:bodyPr/>
+        <a:lstStyle/>
+        <a:p>
+          <a:endParaRPr lang="fr-FR"/>
+        </a:p>
+      </dgm:t>
+    </dgm:pt>
+    <dgm:pt modelId="{9CFB1031-F8AA-445C-A3E4-BC129B954DA9}" type="pres">
+      <dgm:prSet presAssocID="{0CCBFCD9-BDE5-430F-9150-682A8E12743F}" presName="rootConnector" presStyleLbl="node4" presStyleIdx="0" presStyleCnt="4"/>
+      <dgm:spPr/>
+      <dgm:t>
+        <a:bodyPr/>
+        <a:lstStyle/>
+        <a:p>
+          <a:endParaRPr lang="fr-FR"/>
+        </a:p>
+      </dgm:t>
+    </dgm:pt>
+    <dgm:pt modelId="{5E65A59D-856B-49F3-A48A-0FEA8F2A26EC}" type="pres">
+      <dgm:prSet presAssocID="{0CCBFCD9-BDE5-430F-9150-682A8E12743F}" presName="hierChild4" presStyleCnt="0"/>
+      <dgm:spPr/>
+    </dgm:pt>
+    <dgm:pt modelId="{4329131C-DF39-4BD2-9525-364140AF6AAD}" type="pres">
+      <dgm:prSet presAssocID="{6414A6F1-9077-475A-A0FF-E3282556DBC9}" presName="Name37" presStyleLbl="parChTrans1D4" presStyleIdx="1" presStyleCnt="4"/>
+      <dgm:spPr/>
+      <dgm:t>
+        <a:bodyPr/>
+        <a:lstStyle/>
+        <a:p>
+          <a:endParaRPr lang="fr-FR"/>
+        </a:p>
+      </dgm:t>
+    </dgm:pt>
+    <dgm:pt modelId="{2BEF7E36-A452-41D3-BF88-0010B6F0D680}" type="pres">
+      <dgm:prSet presAssocID="{9E2CA191-90B3-484D-A425-8CACA7B6208F}" presName="hierRoot2" presStyleCnt="0">
+        <dgm:presLayoutVars>
+          <dgm:hierBranch val="init"/>
+        </dgm:presLayoutVars>
+      </dgm:prSet>
+      <dgm:spPr/>
+    </dgm:pt>
+    <dgm:pt modelId="{2E1281E0-0923-467F-A0B5-43FE0658C59E}" type="pres">
+      <dgm:prSet presAssocID="{9E2CA191-90B3-484D-A425-8CACA7B6208F}" presName="rootComposite" presStyleCnt="0"/>
+      <dgm:spPr/>
+    </dgm:pt>
+    <dgm:pt modelId="{2CA4A5E4-E654-4623-BC05-F439A574FE3F}" type="pres">
+      <dgm:prSet presAssocID="{9E2CA191-90B3-484D-A425-8CACA7B6208F}" presName="rootText" presStyleLbl="node4" presStyleIdx="1" presStyleCnt="4">
+        <dgm:presLayoutVars>
+          <dgm:chPref val="3"/>
+        </dgm:presLayoutVars>
+      </dgm:prSet>
+      <dgm:spPr/>
+      <dgm:t>
+        <a:bodyPr/>
+        <a:lstStyle/>
+        <a:p>
+          <a:endParaRPr lang="fr-FR"/>
+        </a:p>
+      </dgm:t>
+    </dgm:pt>
+    <dgm:pt modelId="{160CF157-22FC-4035-A318-FB2B8CA4C3B5}" type="pres">
+      <dgm:prSet presAssocID="{9E2CA191-90B3-484D-A425-8CACA7B6208F}" presName="rootConnector" presStyleLbl="node4" presStyleIdx="1" presStyleCnt="4"/>
+      <dgm:spPr/>
+      <dgm:t>
+        <a:bodyPr/>
+        <a:lstStyle/>
+        <a:p>
+          <a:endParaRPr lang="fr-FR"/>
+        </a:p>
+      </dgm:t>
+    </dgm:pt>
+    <dgm:pt modelId="{ABA1C07F-388D-4323-AD8C-6D4261865855}" type="pres">
+      <dgm:prSet presAssocID="{9E2CA191-90B3-484D-A425-8CACA7B6208F}" presName="hierChild4" presStyleCnt="0"/>
+      <dgm:spPr/>
+    </dgm:pt>
+    <dgm:pt modelId="{07D058B8-9624-4A73-8C66-7E4E36717480}" type="pres">
+      <dgm:prSet presAssocID="{9E2CA191-90B3-484D-A425-8CACA7B6208F}" presName="hierChild5" presStyleCnt="0"/>
+      <dgm:spPr/>
+    </dgm:pt>
+    <dgm:pt modelId="{995737FF-8A45-4FDA-BD11-79B6EC0935BA}" type="pres">
+      <dgm:prSet presAssocID="{0CCBFCD9-BDE5-430F-9150-682A8E12743F}" presName="hierChild5" presStyleCnt="0"/>
+      <dgm:spPr/>
+    </dgm:pt>
+    <dgm:pt modelId="{597641D8-FD44-4D79-AB4B-78314A463D97}" type="pres">
+      <dgm:prSet presAssocID="{5F20556B-C008-4D51-B7A5-3CDD07EE5570}" presName="Name37" presStyleLbl="parChTrans1D4" presStyleIdx="2" presStyleCnt="4"/>
+      <dgm:spPr/>
+      <dgm:t>
+        <a:bodyPr/>
+        <a:lstStyle/>
+        <a:p>
+          <a:endParaRPr lang="fr-FR"/>
+        </a:p>
+      </dgm:t>
+    </dgm:pt>
+    <dgm:pt modelId="{9B2D7543-6D34-46CA-A84C-A59EE48D6B73}" type="pres">
+      <dgm:prSet presAssocID="{96C5EBD3-D1F8-4B5E-9323-74DA96AA80DC}" presName="hierRoot2" presStyleCnt="0">
+        <dgm:presLayoutVars>
+          <dgm:hierBranch val="init"/>
+        </dgm:presLayoutVars>
+      </dgm:prSet>
+      <dgm:spPr/>
+    </dgm:pt>
+    <dgm:pt modelId="{BC6F0994-EDA4-43E3-AB38-D295DCBCC38B}" type="pres">
+      <dgm:prSet presAssocID="{96C5EBD3-D1F8-4B5E-9323-74DA96AA80DC}" presName="rootComposite" presStyleCnt="0"/>
+      <dgm:spPr/>
+    </dgm:pt>
+    <dgm:pt modelId="{1146006F-D664-4057-9D6C-36DC0AEACD82}" type="pres">
+      <dgm:prSet presAssocID="{96C5EBD3-D1F8-4B5E-9323-74DA96AA80DC}" presName="rootText" presStyleLbl="node4" presStyleIdx="2" presStyleCnt="4">
+        <dgm:presLayoutVars>
+          <dgm:chPref val="3"/>
+        </dgm:presLayoutVars>
+      </dgm:prSet>
+      <dgm:spPr/>
+      <dgm:t>
+        <a:bodyPr/>
+        <a:lstStyle/>
+        <a:p>
+          <a:endParaRPr lang="fr-FR"/>
+        </a:p>
+      </dgm:t>
+    </dgm:pt>
+    <dgm:pt modelId="{049AA7D3-EA7E-4C70-A7DC-B19E2306549F}" type="pres">
+      <dgm:prSet presAssocID="{96C5EBD3-D1F8-4B5E-9323-74DA96AA80DC}" presName="rootConnector" presStyleLbl="node4" presStyleIdx="2" presStyleCnt="4"/>
+      <dgm:spPr/>
+      <dgm:t>
+        <a:bodyPr/>
+        <a:lstStyle/>
+        <a:p>
+          <a:endParaRPr lang="fr-FR"/>
+        </a:p>
+      </dgm:t>
+    </dgm:pt>
+    <dgm:pt modelId="{16FC8783-8202-449F-AB66-514FC5D1BC1F}" type="pres">
+      <dgm:prSet presAssocID="{96C5EBD3-D1F8-4B5E-9323-74DA96AA80DC}" presName="hierChild4" presStyleCnt="0"/>
+      <dgm:spPr/>
+    </dgm:pt>
+    <dgm:pt modelId="{191E9D97-8581-4252-990E-C6ED5BC978E9}" type="pres">
+      <dgm:prSet presAssocID="{B5457C13-458D-4D1F-B40E-04143ACC57FC}" presName="Name37" presStyleLbl="parChTrans1D4" presStyleIdx="3" presStyleCnt="4"/>
+      <dgm:spPr/>
+      <dgm:t>
+        <a:bodyPr/>
+        <a:lstStyle/>
+        <a:p>
+          <a:endParaRPr lang="fr-FR"/>
+        </a:p>
+      </dgm:t>
+    </dgm:pt>
+    <dgm:pt modelId="{33BEE8D9-AB33-4B82-8ECA-E9922DF8306A}" type="pres">
+      <dgm:prSet presAssocID="{9B4D96FD-EBA5-4A8C-96E8-872B0B756E4A}" presName="hierRoot2" presStyleCnt="0">
+        <dgm:presLayoutVars>
+          <dgm:hierBranch val="init"/>
+        </dgm:presLayoutVars>
+      </dgm:prSet>
+      <dgm:spPr/>
+    </dgm:pt>
+    <dgm:pt modelId="{EAB1B539-ECFA-4CC4-AD89-CA5A91B3D06B}" type="pres">
+      <dgm:prSet presAssocID="{9B4D96FD-EBA5-4A8C-96E8-872B0B756E4A}" presName="rootComposite" presStyleCnt="0"/>
+      <dgm:spPr/>
+    </dgm:pt>
+    <dgm:pt modelId="{B685413B-1FA6-4271-A4D2-2216EA43D6E8}" type="pres">
+      <dgm:prSet presAssocID="{9B4D96FD-EBA5-4A8C-96E8-872B0B756E4A}" presName="rootText" presStyleLbl="node4" presStyleIdx="3" presStyleCnt="4">
+        <dgm:presLayoutVars>
+          <dgm:chPref val="3"/>
+        </dgm:presLayoutVars>
+      </dgm:prSet>
+      <dgm:spPr/>
+      <dgm:t>
+        <a:bodyPr/>
+        <a:lstStyle/>
+        <a:p>
+          <a:endParaRPr lang="fr-FR"/>
+        </a:p>
+      </dgm:t>
+    </dgm:pt>
+    <dgm:pt modelId="{E007EA09-793B-44DA-B26C-B9A88A826AF3}" type="pres">
+      <dgm:prSet presAssocID="{9B4D96FD-EBA5-4A8C-96E8-872B0B756E4A}" presName="rootConnector" presStyleLbl="node4" presStyleIdx="3" presStyleCnt="4"/>
+      <dgm:spPr/>
+      <dgm:t>
+        <a:bodyPr/>
+        <a:lstStyle/>
+        <a:p>
+          <a:endParaRPr lang="fr-FR"/>
+        </a:p>
+      </dgm:t>
+    </dgm:pt>
+    <dgm:pt modelId="{71A2E2AD-0898-4300-8BD4-B245C843FE5D}" type="pres">
+      <dgm:prSet presAssocID="{9B4D96FD-EBA5-4A8C-96E8-872B0B756E4A}" presName="hierChild4" presStyleCnt="0"/>
+      <dgm:spPr/>
+    </dgm:pt>
+    <dgm:pt modelId="{B3A304DC-7235-40C9-8971-58DF6D7D870D}" type="pres">
+      <dgm:prSet presAssocID="{9B4D96FD-EBA5-4A8C-96E8-872B0B756E4A}" presName="hierChild5" presStyleCnt="0"/>
+      <dgm:spPr/>
+    </dgm:pt>
+    <dgm:pt modelId="{1E32328A-D2DD-4870-B903-9FAF723EA706}" type="pres">
+      <dgm:prSet presAssocID="{96C5EBD3-D1F8-4B5E-9323-74DA96AA80DC}" presName="hierChild5" presStyleCnt="0"/>
+      <dgm:spPr/>
+    </dgm:pt>
+    <dgm:pt modelId="{6202BF86-0C15-4B0B-B44D-BF16B166F76C}" type="pres">
+      <dgm:prSet presAssocID="{6374D5AE-7B94-4D37-A09F-683B4B7D6452}" presName="hierChild5" presStyleCnt="0"/>
+      <dgm:spPr/>
+    </dgm:pt>
+    <dgm:pt modelId="{1DD75536-0A71-40A9-AB10-E54C5E4F4DDD}" type="pres">
+      <dgm:prSet presAssocID="{4ECE3366-8E43-47A1-9C81-F94CF93B30B7}" presName="Name37" presStyleLbl="parChTrans1D3" presStyleIdx="2" presStyleCnt="3"/>
+      <dgm:spPr/>
+      <dgm:t>
+        <a:bodyPr/>
+        <a:lstStyle/>
+        <a:p>
+          <a:endParaRPr lang="fr-FR"/>
+        </a:p>
+      </dgm:t>
+    </dgm:pt>
+    <dgm:pt modelId="{FA684FBC-C6BD-45ED-93C6-56ADED5920C7}" type="pres">
+      <dgm:prSet presAssocID="{B520FFB1-40B5-4116-87F2-010A2032D9EA}" presName="hierRoot2" presStyleCnt="0">
+        <dgm:presLayoutVars>
+          <dgm:hierBranch val="init"/>
+        </dgm:presLayoutVars>
+      </dgm:prSet>
+      <dgm:spPr/>
+    </dgm:pt>
+    <dgm:pt modelId="{AE0C8217-04AD-45C2-A812-4A953F392F8A}" type="pres">
+      <dgm:prSet presAssocID="{B520FFB1-40B5-4116-87F2-010A2032D9EA}" presName="rootComposite" presStyleCnt="0"/>
+      <dgm:spPr/>
+    </dgm:pt>
+    <dgm:pt modelId="{F1A8CC5E-C3CA-4E71-B7CD-A077C2308876}" type="pres">
+      <dgm:prSet presAssocID="{B520FFB1-40B5-4116-87F2-010A2032D9EA}" presName="rootText" presStyleLbl="node3" presStyleIdx="2" presStyleCnt="3">
+        <dgm:presLayoutVars>
+          <dgm:chPref val="3"/>
+        </dgm:presLayoutVars>
+      </dgm:prSet>
+      <dgm:spPr/>
+      <dgm:t>
+        <a:bodyPr/>
+        <a:lstStyle/>
+        <a:p>
+          <a:endParaRPr lang="fr-FR"/>
+        </a:p>
+      </dgm:t>
+    </dgm:pt>
     <dgm:pt modelId="{D9255734-FF67-4A49-BECC-22992F475435}" type="pres">
       <dgm:prSet presAssocID="{B520FFB1-40B5-4116-87F2-010A2032D9EA}" presName="rootConnector" presStyleLbl="node3" presStyleIdx="2" presStyleCnt="3"/>
       <dgm:spPr/>
+      <dgm:t>
+        <a:bodyPr/>
+        <a:lstStyle/>
+        <a:p>
+          <a:endParaRPr lang="fr-FR"/>
+        </a:p>
+      </dgm:t>
     </dgm:pt>
     <dgm:pt modelId="{949091E0-1D9F-42DC-ABBB-C00D993FC3E4}" type="pres">
       <dgm:prSet presAssocID="{B520FFB1-40B5-4116-87F2-010A2032D9EA}" presName="hierChild4" presStyleCnt="0"/>
@@ -2527,6 +2695,13 @@
     <dgm:pt modelId="{2C6055B8-6B47-4791-8EDC-DD0E814FDA97}" type="pres">
       <dgm:prSet presAssocID="{7BDEC97C-3FFD-4B84-BE17-65A28BE52598}" presName="Name37" presStyleLbl="parChTrans1D2" presStyleIdx="1" presStyleCnt="2"/>
       <dgm:spPr/>
+      <dgm:t>
+        <a:bodyPr/>
+        <a:lstStyle/>
+        <a:p>
+          <a:endParaRPr lang="fr-FR"/>
+        </a:p>
+      </dgm:t>
     </dgm:pt>
     <dgm:pt modelId="{3BA7F15A-1424-4D89-AA82-E028A53F96A6}" type="pres">
       <dgm:prSet presAssocID="{D0A3479C-FEC7-46CC-BECA-24760B411921}" presName="hierRoot2" presStyleCnt="0">
@@ -2547,10 +2722,24 @@
         </dgm:presLayoutVars>
       </dgm:prSet>
       <dgm:spPr/>
+      <dgm:t>
+        <a:bodyPr/>
+        <a:lstStyle/>
+        <a:p>
+          <a:endParaRPr lang="fr-FR"/>
+        </a:p>
+      </dgm:t>
     </dgm:pt>
     <dgm:pt modelId="{12793B24-C258-4366-AAFA-C83920E2E686}" type="pres">
       <dgm:prSet presAssocID="{D0A3479C-FEC7-46CC-BECA-24760B411921}" presName="rootConnector" presStyleLbl="node2" presStyleIdx="1" presStyleCnt="2"/>
       <dgm:spPr/>
+      <dgm:t>
+        <a:bodyPr/>
+        <a:lstStyle/>
+        <a:p>
+          <a:endParaRPr lang="fr-FR"/>
+        </a:p>
+      </dgm:t>
     </dgm:pt>
     <dgm:pt modelId="{5F5372E0-0834-4733-B11D-A6BC02CE632B}" type="pres">
       <dgm:prSet presAssocID="{D0A3479C-FEC7-46CC-BECA-24760B411921}" presName="hierChild4" presStyleCnt="0"/>
@@ -3328,58 +3517,6 @@
         </dgm:presLayoutVars>
       </dgm:prSet>
       <dgm:spPr/>
-    </dgm:pt>
-    <dgm:pt modelId="{095ECD91-9F3C-4A5B-8625-0B24894F4258}" type="pres">
-      <dgm:prSet presAssocID="{18E82753-EC25-4F3F-B733-569AD07274DE}" presName="hierRoot1" presStyleCnt="0">
-        <dgm:presLayoutVars>
-          <dgm:hierBranch val="init"/>
-        </dgm:presLayoutVars>
-      </dgm:prSet>
-      <dgm:spPr/>
-    </dgm:pt>
-    <dgm:pt modelId="{E6750670-F5FF-498B-BD01-AAC4860AF17F}" type="pres">
-      <dgm:prSet presAssocID="{18E82753-EC25-4F3F-B733-569AD07274DE}" presName="rootComposite1" presStyleCnt="0"/>
-      <dgm:spPr/>
-    </dgm:pt>
-    <dgm:pt modelId="{86ABAAA2-3A6B-4052-9DC9-3FD4CC70D332}" type="pres">
-      <dgm:prSet presAssocID="{18E82753-EC25-4F3F-B733-569AD07274DE}" presName="rootText1" presStyleLbl="node0" presStyleIdx="0" presStyleCnt="1">
-        <dgm:presLayoutVars>
-          <dgm:chPref val="3"/>
-        </dgm:presLayoutVars>
-      </dgm:prSet>
-      <dgm:spPr/>
-    </dgm:pt>
-    <dgm:pt modelId="{7B327BCE-5F3C-499B-B7FC-9C5A85FA99A1}" type="pres">
-      <dgm:prSet presAssocID="{18E82753-EC25-4F3F-B733-569AD07274DE}" presName="rootConnector1" presStyleLbl="node1" presStyleIdx="0" presStyleCnt="0"/>
-      <dgm:spPr/>
-    </dgm:pt>
-    <dgm:pt modelId="{28407E6E-0974-4331-849F-ECB952F098A1}" type="pres">
-      <dgm:prSet presAssocID="{18E82753-EC25-4F3F-B733-569AD07274DE}" presName="hierChild2" presStyleCnt="0"/>
-      <dgm:spPr/>
-    </dgm:pt>
-    <dgm:pt modelId="{F0F8A93B-81DD-476B-B0A2-1042D6BEFB43}" type="pres">
-      <dgm:prSet presAssocID="{6F1FC6AC-A072-4FAB-965B-2EABC6246551}" presName="Name37" presStyleLbl="parChTrans1D2" presStyleIdx="0" presStyleCnt="2"/>
-      <dgm:spPr/>
-    </dgm:pt>
-    <dgm:pt modelId="{1300ABC2-8709-460D-A358-AB27EA072AA2}" type="pres">
-      <dgm:prSet presAssocID="{43B2294E-4DF4-4099-9BFD-C5FA9872AE73}" presName="hierRoot2" presStyleCnt="0">
-        <dgm:presLayoutVars>
-          <dgm:hierBranch val="init"/>
-        </dgm:presLayoutVars>
-      </dgm:prSet>
-      <dgm:spPr/>
-    </dgm:pt>
-    <dgm:pt modelId="{89FF37B1-360D-4539-A83F-A7960CDAB0C3}" type="pres">
-      <dgm:prSet presAssocID="{43B2294E-4DF4-4099-9BFD-C5FA9872AE73}" presName="rootComposite" presStyleCnt="0"/>
-      <dgm:spPr/>
-    </dgm:pt>
-    <dgm:pt modelId="{6453F0B4-45C7-4DCA-B1F8-067C7E93D085}" type="pres">
-      <dgm:prSet presAssocID="{43B2294E-4DF4-4099-9BFD-C5FA9872AE73}" presName="rootText" presStyleLbl="node2" presStyleIdx="0" presStyleCnt="2">
-        <dgm:presLayoutVars>
-          <dgm:chPref val="3"/>
-        </dgm:presLayoutVars>
-      </dgm:prSet>
-      <dgm:spPr/>
       <dgm:t>
         <a:bodyPr/>
         <a:lstStyle/>
@@ -3388,32 +3525,20 @@
         </a:p>
       </dgm:t>
     </dgm:pt>
-    <dgm:pt modelId="{9675AA91-55B8-4A1C-BC76-C03FED5A6282}" type="pres">
-      <dgm:prSet presAssocID="{43B2294E-4DF4-4099-9BFD-C5FA9872AE73}" presName="rootConnector" presStyleLbl="node2" presStyleIdx="0" presStyleCnt="2"/>
-      <dgm:spPr/>
-    </dgm:pt>
-    <dgm:pt modelId="{4F51370B-A96B-493D-9CA5-DA43C649BCBB}" type="pres">
-      <dgm:prSet presAssocID="{43B2294E-4DF4-4099-9BFD-C5FA9872AE73}" presName="hierChild4" presStyleCnt="0"/>
-      <dgm:spPr/>
-    </dgm:pt>
-    <dgm:pt modelId="{28637F55-409D-493E-A2F8-9DD32AB03028}" type="pres">
-      <dgm:prSet presAssocID="{C42271E0-EDB1-4C09-B195-6867EC8E77AD}" presName="Name37" presStyleLbl="parChTrans1D3" presStyleIdx="0" presStyleCnt="2"/>
-      <dgm:spPr/>
-    </dgm:pt>
-    <dgm:pt modelId="{49902515-F3C4-471F-8DFE-61BFBF258403}" type="pres">
-      <dgm:prSet presAssocID="{D1D93E46-9BB3-4621-BB38-8D983F2BACFB}" presName="hierRoot2" presStyleCnt="0">
+    <dgm:pt modelId="{095ECD91-9F3C-4A5B-8625-0B24894F4258}" type="pres">
+      <dgm:prSet presAssocID="{18E82753-EC25-4F3F-B733-569AD07274DE}" presName="hierRoot1" presStyleCnt="0">
         <dgm:presLayoutVars>
           <dgm:hierBranch val="init"/>
         </dgm:presLayoutVars>
       </dgm:prSet>
       <dgm:spPr/>
     </dgm:pt>
-    <dgm:pt modelId="{601ACAC7-F7F5-4036-9232-642B76CCF396}" type="pres">
-      <dgm:prSet presAssocID="{D1D93E46-9BB3-4621-BB38-8D983F2BACFB}" presName="rootComposite" presStyleCnt="0"/>
-      <dgm:spPr/>
-    </dgm:pt>
-    <dgm:pt modelId="{54EFBA58-291F-4B71-AA4B-154257AD3496}" type="pres">
-      <dgm:prSet presAssocID="{D1D93E46-9BB3-4621-BB38-8D983F2BACFB}" presName="rootText" presStyleLbl="node3" presStyleIdx="0" presStyleCnt="2">
+    <dgm:pt modelId="{E6750670-F5FF-498B-BD01-AAC4860AF17F}" type="pres">
+      <dgm:prSet presAssocID="{18E82753-EC25-4F3F-B733-569AD07274DE}" presName="rootComposite1" presStyleCnt="0"/>
+      <dgm:spPr/>
+    </dgm:pt>
+    <dgm:pt modelId="{86ABAAA2-3A6B-4052-9DC9-3FD4CC70D332}" type="pres">
+      <dgm:prSet presAssocID="{18E82753-EC25-4F3F-B733-569AD07274DE}" presName="rootText1" presStyleLbl="node0" presStyleIdx="0" presStyleCnt="1">
         <dgm:presLayoutVars>
           <dgm:chPref val="3"/>
         </dgm:presLayoutVars>
@@ -3427,76 +3552,8 @@
         </a:p>
       </dgm:t>
     </dgm:pt>
-    <dgm:pt modelId="{FA2D9292-DAEF-4002-9293-93C39963DF55}" type="pres">
-      <dgm:prSet presAssocID="{D1D93E46-9BB3-4621-BB38-8D983F2BACFB}" presName="rootConnector" presStyleLbl="node3" presStyleIdx="0" presStyleCnt="2"/>
-      <dgm:spPr/>
-    </dgm:pt>
-    <dgm:pt modelId="{DFBB9E58-0033-4DB5-B7F1-AD6E1615E3EC}" type="pres">
-      <dgm:prSet presAssocID="{D1D93E46-9BB3-4621-BB38-8D983F2BACFB}" presName="hierChild4" presStyleCnt="0"/>
-      <dgm:spPr/>
-    </dgm:pt>
-    <dgm:pt modelId="{B7BC6A06-01D6-458A-97A2-CB7A97FFDA19}" type="pres">
-      <dgm:prSet presAssocID="{D1D93E46-9BB3-4621-BB38-8D983F2BACFB}" presName="hierChild5" presStyleCnt="0"/>
-      <dgm:spPr/>
-    </dgm:pt>
-    <dgm:pt modelId="{3BFFF117-BBC6-4146-A1CC-6C6328294D1A}" type="pres">
-      <dgm:prSet presAssocID="{43B2294E-4DF4-4099-9BFD-C5FA9872AE73}" presName="hierChild5" presStyleCnt="0"/>
-      <dgm:spPr/>
-    </dgm:pt>
-    <dgm:pt modelId="{E51C5BCA-CA71-4D37-898F-95C598F2D56C}" type="pres">
-      <dgm:prSet presAssocID="{E885A946-0957-42E5-A0BF-62384EB9C0EC}" presName="Name37" presStyleLbl="parChTrans1D2" presStyleIdx="1" presStyleCnt="2"/>
-      <dgm:spPr/>
-    </dgm:pt>
-    <dgm:pt modelId="{D58E89C7-2F11-4236-B2A7-134DD3871FBE}" type="pres">
-      <dgm:prSet presAssocID="{7DE94A0F-12CD-4F7E-B93D-58A8BC85C75E}" presName="hierRoot2" presStyleCnt="0">
-        <dgm:presLayoutVars>
-          <dgm:hierBranch val="init"/>
-        </dgm:presLayoutVars>
-      </dgm:prSet>
-      <dgm:spPr/>
-    </dgm:pt>
-    <dgm:pt modelId="{081F0A17-4C75-4F5E-B00F-BDF2927DFC2B}" type="pres">
-      <dgm:prSet presAssocID="{7DE94A0F-12CD-4F7E-B93D-58A8BC85C75E}" presName="rootComposite" presStyleCnt="0"/>
-      <dgm:spPr/>
-    </dgm:pt>
-    <dgm:pt modelId="{442640BB-564E-4D8E-A6BE-356250947D22}" type="pres">
-      <dgm:prSet presAssocID="{7DE94A0F-12CD-4F7E-B93D-58A8BC85C75E}" presName="rootText" presStyleLbl="node2" presStyleIdx="1" presStyleCnt="2">
-        <dgm:presLayoutVars>
-          <dgm:chPref val="3"/>
-        </dgm:presLayoutVars>
-      </dgm:prSet>
-      <dgm:spPr/>
-    </dgm:pt>
-    <dgm:pt modelId="{E1F38B8F-5975-406E-8B79-FBE60C24267E}" type="pres">
-      <dgm:prSet presAssocID="{7DE94A0F-12CD-4F7E-B93D-58A8BC85C75E}" presName="rootConnector" presStyleLbl="node2" presStyleIdx="1" presStyleCnt="2"/>
-      <dgm:spPr/>
-    </dgm:pt>
-    <dgm:pt modelId="{D45DDA7C-D151-47F9-AD93-9FA258139910}" type="pres">
-      <dgm:prSet presAssocID="{7DE94A0F-12CD-4F7E-B93D-58A8BC85C75E}" presName="hierChild4" presStyleCnt="0"/>
-      <dgm:spPr/>
-    </dgm:pt>
-    <dgm:pt modelId="{1CE09C1A-6828-409C-9C71-595800696B59}" type="pres">
-      <dgm:prSet presAssocID="{5AC17535-A762-4380-BB24-F1E125AEB829}" presName="Name37" presStyleLbl="parChTrans1D3" presStyleIdx="1" presStyleCnt="2"/>
-      <dgm:spPr/>
-    </dgm:pt>
-    <dgm:pt modelId="{17B683AB-DDEF-408F-91F0-AE3CE972E047}" type="pres">
-      <dgm:prSet presAssocID="{59ACA5D2-57B6-4909-9361-AFBB96D68C76}" presName="hierRoot2" presStyleCnt="0">
-        <dgm:presLayoutVars>
-          <dgm:hierBranch val="init"/>
-        </dgm:presLayoutVars>
-      </dgm:prSet>
-      <dgm:spPr/>
-    </dgm:pt>
-    <dgm:pt modelId="{CDCC3758-CDA5-4CA3-A51F-24D97B93343A}" type="pres">
-      <dgm:prSet presAssocID="{59ACA5D2-57B6-4909-9361-AFBB96D68C76}" presName="rootComposite" presStyleCnt="0"/>
-      <dgm:spPr/>
-    </dgm:pt>
-    <dgm:pt modelId="{D011A198-DFD3-4790-A9A4-EC9876C5D818}" type="pres">
-      <dgm:prSet presAssocID="{59ACA5D2-57B6-4909-9361-AFBB96D68C76}" presName="rootText" presStyleLbl="node3" presStyleIdx="1" presStyleCnt="2">
-        <dgm:presLayoutVars>
-          <dgm:chPref val="3"/>
-        </dgm:presLayoutVars>
-      </dgm:prSet>
+    <dgm:pt modelId="{7B327BCE-5F3C-499B-B7FC-9C5A85FA99A1}" type="pres">
+      <dgm:prSet presAssocID="{18E82753-EC25-4F3F-B733-569AD07274DE}" presName="rootConnector1" presStyleLbl="node1" presStyleIdx="0" presStyleCnt="0"/>
       <dgm:spPr/>
       <dgm:t>
         <a:bodyPr/>
@@ -3506,36 +3563,12 @@
         </a:p>
       </dgm:t>
     </dgm:pt>
-    <dgm:pt modelId="{3A7EEE81-6271-4125-A191-596684B96741}" type="pres">
-      <dgm:prSet presAssocID="{59ACA5D2-57B6-4909-9361-AFBB96D68C76}" presName="rootConnector" presStyleLbl="node3" presStyleIdx="1" presStyleCnt="2"/>
-      <dgm:spPr/>
-    </dgm:pt>
-    <dgm:pt modelId="{57410D89-402D-490C-965B-699C17914A42}" type="pres">
-      <dgm:prSet presAssocID="{59ACA5D2-57B6-4909-9361-AFBB96D68C76}" presName="hierChild4" presStyleCnt="0"/>
-      <dgm:spPr/>
-    </dgm:pt>
-    <dgm:pt modelId="{41420026-796C-481F-8595-1622C980CD1E}" type="pres">
-      <dgm:prSet presAssocID="{DDD4E134-6CF2-4A88-8846-A55D4324F47C}" presName="Name37" presStyleLbl="parChTrans1D4" presStyleIdx="0" presStyleCnt="8"/>
-      <dgm:spPr/>
-    </dgm:pt>
-    <dgm:pt modelId="{4CD8ACDE-E4BE-4F63-96AC-87E53CD9C871}" type="pres">
-      <dgm:prSet presAssocID="{48F4B8B1-25B8-4734-8ECA-6AD5D3CDF359}" presName="hierRoot2" presStyleCnt="0">
-        <dgm:presLayoutVars>
-          <dgm:hierBranch val="init"/>
-        </dgm:presLayoutVars>
-      </dgm:prSet>
-      <dgm:spPr/>
-    </dgm:pt>
-    <dgm:pt modelId="{F65A2BFB-00D6-4B1D-8709-E856A20A5671}" type="pres">
-      <dgm:prSet presAssocID="{48F4B8B1-25B8-4734-8ECA-6AD5D3CDF359}" presName="rootComposite" presStyleCnt="0"/>
-      <dgm:spPr/>
-    </dgm:pt>
-    <dgm:pt modelId="{F2517F7A-1615-4831-85B8-F47A2F7BCA52}" type="pres">
-      <dgm:prSet presAssocID="{48F4B8B1-25B8-4734-8ECA-6AD5D3CDF359}" presName="rootText" presStyleLbl="node4" presStyleIdx="0" presStyleCnt="7">
-        <dgm:presLayoutVars>
-          <dgm:chPref val="3"/>
-        </dgm:presLayoutVars>
-      </dgm:prSet>
+    <dgm:pt modelId="{28407E6E-0974-4331-849F-ECB952F098A1}" type="pres">
+      <dgm:prSet presAssocID="{18E82753-EC25-4F3F-B733-569AD07274DE}" presName="hierChild2" presStyleCnt="0"/>
+      <dgm:spPr/>
+    </dgm:pt>
+    <dgm:pt modelId="{F0F8A93B-81DD-476B-B0A2-1042D6BEFB43}" type="pres">
+      <dgm:prSet presAssocID="{6F1FC6AC-A072-4FAB-965B-2EABC6246551}" presName="Name37" presStyleLbl="parChTrans1D2" presStyleIdx="0" presStyleCnt="2"/>
       <dgm:spPr/>
       <dgm:t>
         <a:bodyPr/>
@@ -3545,32 +3578,20 @@
         </a:p>
       </dgm:t>
     </dgm:pt>
-    <dgm:pt modelId="{0E3D9786-AA2C-412F-9B83-79C8AC75FE57}" type="pres">
-      <dgm:prSet presAssocID="{48F4B8B1-25B8-4734-8ECA-6AD5D3CDF359}" presName="rootConnector" presStyleLbl="node4" presStyleIdx="0" presStyleCnt="7"/>
-      <dgm:spPr/>
-    </dgm:pt>
-    <dgm:pt modelId="{D1B74CA4-438F-4DBD-B1C4-B53DF8F3DA1B}" type="pres">
-      <dgm:prSet presAssocID="{48F4B8B1-25B8-4734-8ECA-6AD5D3CDF359}" presName="hierChild4" presStyleCnt="0"/>
-      <dgm:spPr/>
-    </dgm:pt>
-    <dgm:pt modelId="{067AD9D1-4D77-4920-80E7-5DEE1D66ACFD}" type="pres">
-      <dgm:prSet presAssocID="{B6E1E1EB-7A2C-4624-B44C-65BD0F0582E5}" presName="Name37" presStyleLbl="parChTrans1D4" presStyleIdx="1" presStyleCnt="8"/>
-      <dgm:spPr/>
-    </dgm:pt>
-    <dgm:pt modelId="{AEB7B8F3-8A89-40DD-94DB-6CDB5A25808E}" type="pres">
-      <dgm:prSet presAssocID="{88CE0738-7E18-4C45-B933-041563D3A538}" presName="hierRoot2" presStyleCnt="0">
+    <dgm:pt modelId="{1300ABC2-8709-460D-A358-AB27EA072AA2}" type="pres">
+      <dgm:prSet presAssocID="{43B2294E-4DF4-4099-9BFD-C5FA9872AE73}" presName="hierRoot2" presStyleCnt="0">
         <dgm:presLayoutVars>
           <dgm:hierBranch val="init"/>
         </dgm:presLayoutVars>
       </dgm:prSet>
       <dgm:spPr/>
     </dgm:pt>
-    <dgm:pt modelId="{FA5B7753-BF52-4994-AA1D-8E12C18AB389}" type="pres">
-      <dgm:prSet presAssocID="{88CE0738-7E18-4C45-B933-041563D3A538}" presName="rootComposite" presStyleCnt="0"/>
-      <dgm:spPr/>
-    </dgm:pt>
-    <dgm:pt modelId="{2996C41B-9CE8-4986-B62E-E8388F101458}" type="pres">
-      <dgm:prSet presAssocID="{88CE0738-7E18-4C45-B933-041563D3A538}" presName="rootText" presStyleLbl="node4" presStyleIdx="1" presStyleCnt="7">
+    <dgm:pt modelId="{89FF37B1-360D-4539-A83F-A7960CDAB0C3}" type="pres">
+      <dgm:prSet presAssocID="{43B2294E-4DF4-4099-9BFD-C5FA9872AE73}" presName="rootComposite" presStyleCnt="0"/>
+      <dgm:spPr/>
+    </dgm:pt>
+    <dgm:pt modelId="{6453F0B4-45C7-4DCA-B1F8-067C7E93D085}" type="pres">
+      <dgm:prSet presAssocID="{43B2294E-4DF4-4099-9BFD-C5FA9872AE73}" presName="rootText" presStyleLbl="node2" presStyleIdx="0" presStyleCnt="2">
         <dgm:presLayoutVars>
           <dgm:chPref val="3"/>
         </dgm:presLayoutVars>
@@ -3584,36 +3605,8 @@
         </a:p>
       </dgm:t>
     </dgm:pt>
-    <dgm:pt modelId="{8D530429-EC5B-485E-A17A-A0A72E3633D3}" type="pres">
-      <dgm:prSet presAssocID="{88CE0738-7E18-4C45-B933-041563D3A538}" presName="rootConnector" presStyleLbl="node4" presStyleIdx="1" presStyleCnt="7"/>
-      <dgm:spPr/>
-    </dgm:pt>
-    <dgm:pt modelId="{A90DD926-A6DA-4EF0-BB93-7039A1DC5B16}" type="pres">
-      <dgm:prSet presAssocID="{88CE0738-7E18-4C45-B933-041563D3A538}" presName="hierChild4" presStyleCnt="0"/>
-      <dgm:spPr/>
-    </dgm:pt>
-    <dgm:pt modelId="{3A51EFFE-F78E-40AA-95D0-B0FDD35570E5}" type="pres">
-      <dgm:prSet presAssocID="{35214945-E0B2-48E2-8D39-067E327505C0}" presName="Name37" presStyleLbl="parChTrans1D4" presStyleIdx="2" presStyleCnt="8"/>
-      <dgm:spPr/>
-    </dgm:pt>
-    <dgm:pt modelId="{33A18DF9-E270-4387-972B-1EAC284E468C}" type="pres">
-      <dgm:prSet presAssocID="{BA665729-B573-440A-8EFB-69D8A0AB4977}" presName="hierRoot2" presStyleCnt="0">
-        <dgm:presLayoutVars>
-          <dgm:hierBranch val="init"/>
-        </dgm:presLayoutVars>
-      </dgm:prSet>
-      <dgm:spPr/>
-    </dgm:pt>
-    <dgm:pt modelId="{27C186BD-99CC-4845-B20C-6D050B4AD380}" type="pres">
-      <dgm:prSet presAssocID="{BA665729-B573-440A-8EFB-69D8A0AB4977}" presName="rootComposite" presStyleCnt="0"/>
-      <dgm:spPr/>
-    </dgm:pt>
-    <dgm:pt modelId="{96FE9CF6-5D24-4138-A663-17DB2D598409}" type="pres">
-      <dgm:prSet presAssocID="{BA665729-B573-440A-8EFB-69D8A0AB4977}" presName="rootText" presStyleLbl="node4" presStyleIdx="2" presStyleCnt="7">
-        <dgm:presLayoutVars>
-          <dgm:chPref val="3"/>
-        </dgm:presLayoutVars>
-      </dgm:prSet>
+    <dgm:pt modelId="{9675AA91-55B8-4A1C-BC76-C03FED5A6282}" type="pres">
+      <dgm:prSet presAssocID="{43B2294E-4DF4-4099-9BFD-C5FA9872AE73}" presName="rootConnector" presStyleLbl="node2" presStyleIdx="0" presStyleCnt="2"/>
       <dgm:spPr/>
       <dgm:t>
         <a:bodyPr/>
@@ -3623,44 +3616,12 @@
         </a:p>
       </dgm:t>
     </dgm:pt>
-    <dgm:pt modelId="{B4840496-270A-44ED-AB4F-F49DACCF3817}" type="pres">
-      <dgm:prSet presAssocID="{BA665729-B573-440A-8EFB-69D8A0AB4977}" presName="rootConnector" presStyleLbl="node4" presStyleIdx="2" presStyleCnt="7"/>
-      <dgm:spPr/>
-    </dgm:pt>
-    <dgm:pt modelId="{2CB7221E-3826-4D3E-8EEB-792E32EFC538}" type="pres">
-      <dgm:prSet presAssocID="{BA665729-B573-440A-8EFB-69D8A0AB4977}" presName="hierChild4" presStyleCnt="0"/>
-      <dgm:spPr/>
-    </dgm:pt>
-    <dgm:pt modelId="{3B59541B-C74A-4BC0-B5F6-8B31C0E6D624}" type="pres">
-      <dgm:prSet presAssocID="{BA665729-B573-440A-8EFB-69D8A0AB4977}" presName="hierChild5" presStyleCnt="0"/>
-      <dgm:spPr/>
-    </dgm:pt>
-    <dgm:pt modelId="{31E6F486-966B-40D6-8DE7-133F0352FA54}" type="pres">
-      <dgm:prSet presAssocID="{88CE0738-7E18-4C45-B933-041563D3A538}" presName="hierChild5" presStyleCnt="0"/>
-      <dgm:spPr/>
-    </dgm:pt>
-    <dgm:pt modelId="{BADAAB4F-FD86-4B42-B1F0-7BACD9D7CDC4}" type="pres">
-      <dgm:prSet presAssocID="{588BFD49-01C4-4913-ABAF-1D84300757A6}" presName="Name37" presStyleLbl="parChTrans1D4" presStyleIdx="3" presStyleCnt="8"/>
-      <dgm:spPr/>
-    </dgm:pt>
-    <dgm:pt modelId="{CDC6FFA8-6667-4A8B-8A3E-E45A4C206620}" type="pres">
-      <dgm:prSet presAssocID="{FE8E00C2-3567-4CE1-8D64-5A4874BA3F0C}" presName="hierRoot2" presStyleCnt="0">
-        <dgm:presLayoutVars>
-          <dgm:hierBranch val="init"/>
-        </dgm:presLayoutVars>
-      </dgm:prSet>
-      <dgm:spPr/>
-    </dgm:pt>
-    <dgm:pt modelId="{A322FD29-2375-438A-8205-F08BB6DD59C8}" type="pres">
-      <dgm:prSet presAssocID="{FE8E00C2-3567-4CE1-8D64-5A4874BA3F0C}" presName="rootComposite" presStyleCnt="0"/>
-      <dgm:spPr/>
-    </dgm:pt>
-    <dgm:pt modelId="{4B7B9A27-C562-47E9-9A3A-B9161CFD434A}" type="pres">
-      <dgm:prSet presAssocID="{FE8E00C2-3567-4CE1-8D64-5A4874BA3F0C}" presName="rootText" presStyleLbl="node4" presStyleIdx="3" presStyleCnt="7">
-        <dgm:presLayoutVars>
-          <dgm:chPref val="3"/>
-        </dgm:presLayoutVars>
-      </dgm:prSet>
+    <dgm:pt modelId="{4F51370B-A96B-493D-9CA5-DA43C649BCBB}" type="pres">
+      <dgm:prSet presAssocID="{43B2294E-4DF4-4099-9BFD-C5FA9872AE73}" presName="hierChild4" presStyleCnt="0"/>
+      <dgm:spPr/>
+    </dgm:pt>
+    <dgm:pt modelId="{28637F55-409D-493E-A2F8-9DD32AB03028}" type="pres">
+      <dgm:prSet presAssocID="{C42271E0-EDB1-4C09-B195-6867EC8E77AD}" presName="Name37" presStyleLbl="parChTrans1D3" presStyleIdx="0" presStyleCnt="2"/>
       <dgm:spPr/>
       <dgm:t>
         <a:bodyPr/>
@@ -3670,32 +3631,20 @@
         </a:p>
       </dgm:t>
     </dgm:pt>
-    <dgm:pt modelId="{7ACA72BB-9F4F-481A-A71A-0B1866116AE6}" type="pres">
-      <dgm:prSet presAssocID="{FE8E00C2-3567-4CE1-8D64-5A4874BA3F0C}" presName="rootConnector" presStyleLbl="node4" presStyleIdx="3" presStyleCnt="7"/>
-      <dgm:spPr/>
-    </dgm:pt>
-    <dgm:pt modelId="{875E5EB3-A31B-448F-8E5F-744BC468AE27}" type="pres">
-      <dgm:prSet presAssocID="{FE8E00C2-3567-4CE1-8D64-5A4874BA3F0C}" presName="hierChild4" presStyleCnt="0"/>
-      <dgm:spPr/>
-    </dgm:pt>
-    <dgm:pt modelId="{67ACE794-146F-4D94-B801-379225EAA81C}" type="pres">
-      <dgm:prSet presAssocID="{10BC2771-F0A4-4059-86D6-8694B66FBE9D}" presName="Name37" presStyleLbl="parChTrans1D4" presStyleIdx="4" presStyleCnt="8"/>
-      <dgm:spPr/>
-    </dgm:pt>
-    <dgm:pt modelId="{27192897-06EB-4DE9-8C21-2A352E5E5F5F}" type="pres">
-      <dgm:prSet presAssocID="{1CFCB0D1-E0C4-40A6-AC47-53AA4A90CA6B}" presName="hierRoot2" presStyleCnt="0">
+    <dgm:pt modelId="{49902515-F3C4-471F-8DFE-61BFBF258403}" type="pres">
+      <dgm:prSet presAssocID="{D1D93E46-9BB3-4621-BB38-8D983F2BACFB}" presName="hierRoot2" presStyleCnt="0">
         <dgm:presLayoutVars>
           <dgm:hierBranch val="init"/>
         </dgm:presLayoutVars>
       </dgm:prSet>
       <dgm:spPr/>
     </dgm:pt>
-    <dgm:pt modelId="{60E15897-E344-4360-A299-08A85F4C0EC3}" type="pres">
-      <dgm:prSet presAssocID="{1CFCB0D1-E0C4-40A6-AC47-53AA4A90CA6B}" presName="rootComposite" presStyleCnt="0"/>
-      <dgm:spPr/>
-    </dgm:pt>
-    <dgm:pt modelId="{7D01C8DE-7EA2-4D2A-8D5F-AB3A3429FDF3}" type="pres">
-      <dgm:prSet presAssocID="{1CFCB0D1-E0C4-40A6-AC47-53AA4A90CA6B}" presName="rootText" presStyleLbl="node4" presStyleIdx="4" presStyleCnt="7">
+    <dgm:pt modelId="{601ACAC7-F7F5-4036-9232-642B76CCF396}" type="pres">
+      <dgm:prSet presAssocID="{D1D93E46-9BB3-4621-BB38-8D983F2BACFB}" presName="rootComposite" presStyleCnt="0"/>
+      <dgm:spPr/>
+    </dgm:pt>
+    <dgm:pt modelId="{54EFBA58-291F-4B71-AA4B-154257AD3496}" type="pres">
+      <dgm:prSet presAssocID="{D1D93E46-9BB3-4621-BB38-8D983F2BACFB}" presName="rootText" presStyleLbl="node3" presStyleIdx="0" presStyleCnt="2">
         <dgm:presLayoutVars>
           <dgm:chPref val="3"/>
         </dgm:presLayoutVars>
@@ -3709,44 +3658,8 @@
         </a:p>
       </dgm:t>
     </dgm:pt>
-    <dgm:pt modelId="{EEB97329-FEB0-41EF-87CE-1F81E1C43BD0}" type="pres">
-      <dgm:prSet presAssocID="{1CFCB0D1-E0C4-40A6-AC47-53AA4A90CA6B}" presName="rootConnector" presStyleLbl="node4" presStyleIdx="4" presStyleCnt="7"/>
-      <dgm:spPr/>
-    </dgm:pt>
-    <dgm:pt modelId="{0317A526-24D9-4896-B71E-895B7EF816B7}" type="pres">
-      <dgm:prSet presAssocID="{1CFCB0D1-E0C4-40A6-AC47-53AA4A90CA6B}" presName="hierChild4" presStyleCnt="0"/>
-      <dgm:spPr/>
-    </dgm:pt>
-    <dgm:pt modelId="{8903FCED-16C6-4D78-9EFD-BB666736FA23}" type="pres">
-      <dgm:prSet presAssocID="{1CFCB0D1-E0C4-40A6-AC47-53AA4A90CA6B}" presName="hierChild5" presStyleCnt="0"/>
-      <dgm:spPr/>
-    </dgm:pt>
-    <dgm:pt modelId="{ED93172B-F7C2-4CC5-A47C-BEA7179028C1}" type="pres">
-      <dgm:prSet presAssocID="{FE8E00C2-3567-4CE1-8D64-5A4874BA3F0C}" presName="hierChild5" presStyleCnt="0"/>
-      <dgm:spPr/>
-    </dgm:pt>
-    <dgm:pt modelId="{054A3679-6DB4-49F3-8C26-2F52A54F99F2}" type="pres">
-      <dgm:prSet presAssocID="{F37DD941-5A36-4DE4-B510-5F9454FEC219}" presName="Name37" presStyleLbl="parChTrans1D4" presStyleIdx="5" presStyleCnt="8"/>
-      <dgm:spPr/>
-    </dgm:pt>
-    <dgm:pt modelId="{6FAF85EF-485C-485B-B40F-308A77F7549C}" type="pres">
-      <dgm:prSet presAssocID="{DB8D4B86-EAE1-4EBB-A308-5F2EF0649AB5}" presName="hierRoot2" presStyleCnt="0">
-        <dgm:presLayoutVars>
-          <dgm:hierBranch val="init"/>
-        </dgm:presLayoutVars>
-      </dgm:prSet>
-      <dgm:spPr/>
-    </dgm:pt>
-    <dgm:pt modelId="{48252CDE-53B9-41AF-A925-ABD83E3B6190}" type="pres">
-      <dgm:prSet presAssocID="{DB8D4B86-EAE1-4EBB-A308-5F2EF0649AB5}" presName="rootComposite" presStyleCnt="0"/>
-      <dgm:spPr/>
-    </dgm:pt>
-    <dgm:pt modelId="{2D77E0AE-78B0-4DEB-8CCB-8D78211F531D}" type="pres">
-      <dgm:prSet presAssocID="{DB8D4B86-EAE1-4EBB-A308-5F2EF0649AB5}" presName="rootText" presStyleLbl="node4" presStyleIdx="5" presStyleCnt="7">
-        <dgm:presLayoutVars>
-          <dgm:chPref val="3"/>
-        </dgm:presLayoutVars>
-      </dgm:prSet>
+    <dgm:pt modelId="{FA2D9292-DAEF-4002-9293-93C39963DF55}" type="pres">
+      <dgm:prSet presAssocID="{D1D93E46-9BB3-4621-BB38-8D983F2BACFB}" presName="rootConnector" presStyleLbl="node3" presStyleIdx="0" presStyleCnt="2"/>
       <dgm:spPr/>
       <dgm:t>
         <a:bodyPr/>
@@ -3756,36 +3669,20 @@
         </a:p>
       </dgm:t>
     </dgm:pt>
-    <dgm:pt modelId="{1B29354A-52D7-43EE-A8A0-4C6EAF292472}" type="pres">
-      <dgm:prSet presAssocID="{DB8D4B86-EAE1-4EBB-A308-5F2EF0649AB5}" presName="rootConnector" presStyleLbl="node4" presStyleIdx="5" presStyleCnt="7"/>
-      <dgm:spPr/>
-    </dgm:pt>
-    <dgm:pt modelId="{B8C2AB08-4030-4324-A346-0ADFFF6A220B}" type="pres">
-      <dgm:prSet presAssocID="{DB8D4B86-EAE1-4EBB-A308-5F2EF0649AB5}" presName="hierChild4" presStyleCnt="0"/>
-      <dgm:spPr/>
-    </dgm:pt>
-    <dgm:pt modelId="{E6044AFF-44CE-41E1-BB98-7D21743B2DB0}" type="pres">
-      <dgm:prSet presAssocID="{89CC62A3-F209-4384-B6F2-3440566D0F48}" presName="Name37" presStyleLbl="parChTrans1D4" presStyleIdx="6" presStyleCnt="8"/>
-      <dgm:spPr/>
-    </dgm:pt>
-    <dgm:pt modelId="{519FC517-4287-4682-BB54-45532D8C30FD}" type="pres">
-      <dgm:prSet presAssocID="{36E70564-AA39-4BA2-B033-AEF76566BB58}" presName="hierRoot2" presStyleCnt="0">
-        <dgm:presLayoutVars>
-          <dgm:hierBranch val="init"/>
-        </dgm:presLayoutVars>
-      </dgm:prSet>
-      <dgm:spPr/>
-    </dgm:pt>
-    <dgm:pt modelId="{43B8E67C-0B1C-4C88-BEF6-179D508ED24E}" type="pres">
-      <dgm:prSet presAssocID="{36E70564-AA39-4BA2-B033-AEF76566BB58}" presName="rootComposite" presStyleCnt="0"/>
-      <dgm:spPr/>
-    </dgm:pt>
-    <dgm:pt modelId="{E408CB39-44F0-44D0-BB3B-86CBD8758BCE}" type="pres">
-      <dgm:prSet presAssocID="{36E70564-AA39-4BA2-B033-AEF76566BB58}" presName="rootText" presStyleLbl="node4" presStyleIdx="6" presStyleCnt="7">
-        <dgm:presLayoutVars>
-          <dgm:chPref val="3"/>
-        </dgm:presLayoutVars>
-      </dgm:prSet>
+    <dgm:pt modelId="{DFBB9E58-0033-4DB5-B7F1-AD6E1615E3EC}" type="pres">
+      <dgm:prSet presAssocID="{D1D93E46-9BB3-4621-BB38-8D983F2BACFB}" presName="hierChild4" presStyleCnt="0"/>
+      <dgm:spPr/>
+    </dgm:pt>
+    <dgm:pt modelId="{B7BC6A06-01D6-458A-97A2-CB7A97FFDA19}" type="pres">
+      <dgm:prSet presAssocID="{D1D93E46-9BB3-4621-BB38-8D983F2BACFB}" presName="hierChild5" presStyleCnt="0"/>
+      <dgm:spPr/>
+    </dgm:pt>
+    <dgm:pt modelId="{3BFFF117-BBC6-4146-A1CC-6C6328294D1A}" type="pres">
+      <dgm:prSet presAssocID="{43B2294E-4DF4-4099-9BFD-C5FA9872AE73}" presName="hierChild5" presStyleCnt="0"/>
+      <dgm:spPr/>
+    </dgm:pt>
+    <dgm:pt modelId="{E51C5BCA-CA71-4D37-898F-95C598F2D56C}" type="pres">
+      <dgm:prSet presAssocID="{E885A946-0957-42E5-A0BF-62384EB9C0EC}" presName="Name37" presStyleLbl="parChTrans1D2" presStyleIdx="1" presStyleCnt="2"/>
       <dgm:spPr/>
       <dgm:t>
         <a:bodyPr/>
@@ -3795,44 +3692,20 @@
         </a:p>
       </dgm:t>
     </dgm:pt>
-    <dgm:pt modelId="{39AFF78F-0592-4354-98D1-EA5FBFF35341}" type="pres">
-      <dgm:prSet presAssocID="{36E70564-AA39-4BA2-B033-AEF76566BB58}" presName="rootConnector" presStyleLbl="node4" presStyleIdx="6" presStyleCnt="7"/>
-      <dgm:spPr/>
-    </dgm:pt>
-    <dgm:pt modelId="{C250490F-76EB-4F65-B80C-A38A2ADA79E7}" type="pres">
-      <dgm:prSet presAssocID="{36E70564-AA39-4BA2-B033-AEF76566BB58}" presName="hierChild4" presStyleCnt="0"/>
-      <dgm:spPr/>
-    </dgm:pt>
-    <dgm:pt modelId="{784068E6-F3BA-4E12-BEA6-4C82F9C7FCC5}" type="pres">
-      <dgm:prSet presAssocID="{36E70564-AA39-4BA2-B033-AEF76566BB58}" presName="hierChild5" presStyleCnt="0"/>
-      <dgm:spPr/>
-    </dgm:pt>
-    <dgm:pt modelId="{7E68D27D-0AA3-4710-A4AE-0EA37AF798A2}" type="pres">
-      <dgm:prSet presAssocID="{DB8D4B86-EAE1-4EBB-A308-5F2EF0649AB5}" presName="hierChild5" presStyleCnt="0"/>
-      <dgm:spPr/>
-    </dgm:pt>
-    <dgm:pt modelId="{224F9E86-FF90-4FFD-991A-AC4C58199F68}" type="pres">
-      <dgm:prSet presAssocID="{48F4B8B1-25B8-4734-8ECA-6AD5D3CDF359}" presName="hierChild5" presStyleCnt="0"/>
-      <dgm:spPr/>
-    </dgm:pt>
-    <dgm:pt modelId="{0C080F80-E126-41BD-870D-2F32316D5F59}" type="pres">
-      <dgm:prSet presAssocID="{56A5059A-4D7C-4AA8-817C-B6694AD074A0}" presName="Name111" presStyleLbl="parChTrans1D4" presStyleIdx="7" presStyleCnt="8"/>
-      <dgm:spPr/>
-    </dgm:pt>
-    <dgm:pt modelId="{89F8A264-CD61-46CE-9264-85CF5768137F}" type="pres">
-      <dgm:prSet presAssocID="{015A57B5-BA08-4F8F-B5B0-B9820F399524}" presName="hierRoot3" presStyleCnt="0">
+    <dgm:pt modelId="{D58E89C7-2F11-4236-B2A7-134DD3871FBE}" type="pres">
+      <dgm:prSet presAssocID="{7DE94A0F-12CD-4F7E-B93D-58A8BC85C75E}" presName="hierRoot2" presStyleCnt="0">
         <dgm:presLayoutVars>
           <dgm:hierBranch val="init"/>
         </dgm:presLayoutVars>
       </dgm:prSet>
       <dgm:spPr/>
     </dgm:pt>
-    <dgm:pt modelId="{E27E3134-49DA-4975-BD0C-342F1429070D}" type="pres">
-      <dgm:prSet presAssocID="{015A57B5-BA08-4F8F-B5B0-B9820F399524}" presName="rootComposite3" presStyleCnt="0"/>
-      <dgm:spPr/>
-    </dgm:pt>
-    <dgm:pt modelId="{A9A8FA29-8F02-4F02-8464-810C3992C86F}" type="pres">
-      <dgm:prSet presAssocID="{015A57B5-BA08-4F8F-B5B0-B9820F399524}" presName="rootText3" presStyleLbl="asst4" presStyleIdx="0" presStyleCnt="1">
+    <dgm:pt modelId="{081F0A17-4C75-4F5E-B00F-BDF2927DFC2B}" type="pres">
+      <dgm:prSet presAssocID="{7DE94A0F-12CD-4F7E-B93D-58A8BC85C75E}" presName="rootComposite" presStyleCnt="0"/>
+      <dgm:spPr/>
+    </dgm:pt>
+    <dgm:pt modelId="{442640BB-564E-4D8E-A6BE-356250947D22}" type="pres">
+      <dgm:prSet presAssocID="{7DE94A0F-12CD-4F7E-B93D-58A8BC85C75E}" presName="rootText" presStyleLbl="node2" presStyleIdx="1" presStyleCnt="2">
         <dgm:presLayoutVars>
           <dgm:chPref val="3"/>
         </dgm:presLayoutVars>
@@ -3846,9 +3719,521 @@
         </a:p>
       </dgm:t>
     </dgm:pt>
+    <dgm:pt modelId="{E1F38B8F-5975-406E-8B79-FBE60C24267E}" type="pres">
+      <dgm:prSet presAssocID="{7DE94A0F-12CD-4F7E-B93D-58A8BC85C75E}" presName="rootConnector" presStyleLbl="node2" presStyleIdx="1" presStyleCnt="2"/>
+      <dgm:spPr/>
+      <dgm:t>
+        <a:bodyPr/>
+        <a:lstStyle/>
+        <a:p>
+          <a:endParaRPr lang="fr-FR"/>
+        </a:p>
+      </dgm:t>
+    </dgm:pt>
+    <dgm:pt modelId="{D45DDA7C-D151-47F9-AD93-9FA258139910}" type="pres">
+      <dgm:prSet presAssocID="{7DE94A0F-12CD-4F7E-B93D-58A8BC85C75E}" presName="hierChild4" presStyleCnt="0"/>
+      <dgm:spPr/>
+    </dgm:pt>
+    <dgm:pt modelId="{1CE09C1A-6828-409C-9C71-595800696B59}" type="pres">
+      <dgm:prSet presAssocID="{5AC17535-A762-4380-BB24-F1E125AEB829}" presName="Name37" presStyleLbl="parChTrans1D3" presStyleIdx="1" presStyleCnt="2"/>
+      <dgm:spPr/>
+      <dgm:t>
+        <a:bodyPr/>
+        <a:lstStyle/>
+        <a:p>
+          <a:endParaRPr lang="fr-FR"/>
+        </a:p>
+      </dgm:t>
+    </dgm:pt>
+    <dgm:pt modelId="{17B683AB-DDEF-408F-91F0-AE3CE972E047}" type="pres">
+      <dgm:prSet presAssocID="{59ACA5D2-57B6-4909-9361-AFBB96D68C76}" presName="hierRoot2" presStyleCnt="0">
+        <dgm:presLayoutVars>
+          <dgm:hierBranch val="init"/>
+        </dgm:presLayoutVars>
+      </dgm:prSet>
+      <dgm:spPr/>
+    </dgm:pt>
+    <dgm:pt modelId="{CDCC3758-CDA5-4CA3-A51F-24D97B93343A}" type="pres">
+      <dgm:prSet presAssocID="{59ACA5D2-57B6-4909-9361-AFBB96D68C76}" presName="rootComposite" presStyleCnt="0"/>
+      <dgm:spPr/>
+    </dgm:pt>
+    <dgm:pt modelId="{D011A198-DFD3-4790-A9A4-EC9876C5D818}" type="pres">
+      <dgm:prSet presAssocID="{59ACA5D2-57B6-4909-9361-AFBB96D68C76}" presName="rootText" presStyleLbl="node3" presStyleIdx="1" presStyleCnt="2">
+        <dgm:presLayoutVars>
+          <dgm:chPref val="3"/>
+        </dgm:presLayoutVars>
+      </dgm:prSet>
+      <dgm:spPr/>
+      <dgm:t>
+        <a:bodyPr/>
+        <a:lstStyle/>
+        <a:p>
+          <a:endParaRPr lang="fr-FR"/>
+        </a:p>
+      </dgm:t>
+    </dgm:pt>
+    <dgm:pt modelId="{3A7EEE81-6271-4125-A191-596684B96741}" type="pres">
+      <dgm:prSet presAssocID="{59ACA5D2-57B6-4909-9361-AFBB96D68C76}" presName="rootConnector" presStyleLbl="node3" presStyleIdx="1" presStyleCnt="2"/>
+      <dgm:spPr/>
+      <dgm:t>
+        <a:bodyPr/>
+        <a:lstStyle/>
+        <a:p>
+          <a:endParaRPr lang="fr-FR"/>
+        </a:p>
+      </dgm:t>
+    </dgm:pt>
+    <dgm:pt modelId="{57410D89-402D-490C-965B-699C17914A42}" type="pres">
+      <dgm:prSet presAssocID="{59ACA5D2-57B6-4909-9361-AFBB96D68C76}" presName="hierChild4" presStyleCnt="0"/>
+      <dgm:spPr/>
+    </dgm:pt>
+    <dgm:pt modelId="{41420026-796C-481F-8595-1622C980CD1E}" type="pres">
+      <dgm:prSet presAssocID="{DDD4E134-6CF2-4A88-8846-A55D4324F47C}" presName="Name37" presStyleLbl="parChTrans1D4" presStyleIdx="0" presStyleCnt="8"/>
+      <dgm:spPr/>
+      <dgm:t>
+        <a:bodyPr/>
+        <a:lstStyle/>
+        <a:p>
+          <a:endParaRPr lang="fr-FR"/>
+        </a:p>
+      </dgm:t>
+    </dgm:pt>
+    <dgm:pt modelId="{4CD8ACDE-E4BE-4F63-96AC-87E53CD9C871}" type="pres">
+      <dgm:prSet presAssocID="{48F4B8B1-25B8-4734-8ECA-6AD5D3CDF359}" presName="hierRoot2" presStyleCnt="0">
+        <dgm:presLayoutVars>
+          <dgm:hierBranch val="init"/>
+        </dgm:presLayoutVars>
+      </dgm:prSet>
+      <dgm:spPr/>
+    </dgm:pt>
+    <dgm:pt modelId="{F65A2BFB-00D6-4B1D-8709-E856A20A5671}" type="pres">
+      <dgm:prSet presAssocID="{48F4B8B1-25B8-4734-8ECA-6AD5D3CDF359}" presName="rootComposite" presStyleCnt="0"/>
+      <dgm:spPr/>
+    </dgm:pt>
+    <dgm:pt modelId="{F2517F7A-1615-4831-85B8-F47A2F7BCA52}" type="pres">
+      <dgm:prSet presAssocID="{48F4B8B1-25B8-4734-8ECA-6AD5D3CDF359}" presName="rootText" presStyleLbl="node4" presStyleIdx="0" presStyleCnt="7">
+        <dgm:presLayoutVars>
+          <dgm:chPref val="3"/>
+        </dgm:presLayoutVars>
+      </dgm:prSet>
+      <dgm:spPr/>
+      <dgm:t>
+        <a:bodyPr/>
+        <a:lstStyle/>
+        <a:p>
+          <a:endParaRPr lang="fr-FR"/>
+        </a:p>
+      </dgm:t>
+    </dgm:pt>
+    <dgm:pt modelId="{0E3D9786-AA2C-412F-9B83-79C8AC75FE57}" type="pres">
+      <dgm:prSet presAssocID="{48F4B8B1-25B8-4734-8ECA-6AD5D3CDF359}" presName="rootConnector" presStyleLbl="node4" presStyleIdx="0" presStyleCnt="7"/>
+      <dgm:spPr/>
+      <dgm:t>
+        <a:bodyPr/>
+        <a:lstStyle/>
+        <a:p>
+          <a:endParaRPr lang="fr-FR"/>
+        </a:p>
+      </dgm:t>
+    </dgm:pt>
+    <dgm:pt modelId="{D1B74CA4-438F-4DBD-B1C4-B53DF8F3DA1B}" type="pres">
+      <dgm:prSet presAssocID="{48F4B8B1-25B8-4734-8ECA-6AD5D3CDF359}" presName="hierChild4" presStyleCnt="0"/>
+      <dgm:spPr/>
+    </dgm:pt>
+    <dgm:pt modelId="{067AD9D1-4D77-4920-80E7-5DEE1D66ACFD}" type="pres">
+      <dgm:prSet presAssocID="{B6E1E1EB-7A2C-4624-B44C-65BD0F0582E5}" presName="Name37" presStyleLbl="parChTrans1D4" presStyleIdx="1" presStyleCnt="8"/>
+      <dgm:spPr/>
+      <dgm:t>
+        <a:bodyPr/>
+        <a:lstStyle/>
+        <a:p>
+          <a:endParaRPr lang="fr-FR"/>
+        </a:p>
+      </dgm:t>
+    </dgm:pt>
+    <dgm:pt modelId="{AEB7B8F3-8A89-40DD-94DB-6CDB5A25808E}" type="pres">
+      <dgm:prSet presAssocID="{88CE0738-7E18-4C45-B933-041563D3A538}" presName="hierRoot2" presStyleCnt="0">
+        <dgm:presLayoutVars>
+          <dgm:hierBranch val="init"/>
+        </dgm:presLayoutVars>
+      </dgm:prSet>
+      <dgm:spPr/>
+    </dgm:pt>
+    <dgm:pt modelId="{FA5B7753-BF52-4994-AA1D-8E12C18AB389}" type="pres">
+      <dgm:prSet presAssocID="{88CE0738-7E18-4C45-B933-041563D3A538}" presName="rootComposite" presStyleCnt="0"/>
+      <dgm:spPr/>
+    </dgm:pt>
+    <dgm:pt modelId="{2996C41B-9CE8-4986-B62E-E8388F101458}" type="pres">
+      <dgm:prSet presAssocID="{88CE0738-7E18-4C45-B933-041563D3A538}" presName="rootText" presStyleLbl="node4" presStyleIdx="1" presStyleCnt="7">
+        <dgm:presLayoutVars>
+          <dgm:chPref val="3"/>
+        </dgm:presLayoutVars>
+      </dgm:prSet>
+      <dgm:spPr/>
+      <dgm:t>
+        <a:bodyPr/>
+        <a:lstStyle/>
+        <a:p>
+          <a:endParaRPr lang="fr-FR"/>
+        </a:p>
+      </dgm:t>
+    </dgm:pt>
+    <dgm:pt modelId="{8D530429-EC5B-485E-A17A-A0A72E3633D3}" type="pres">
+      <dgm:prSet presAssocID="{88CE0738-7E18-4C45-B933-041563D3A538}" presName="rootConnector" presStyleLbl="node4" presStyleIdx="1" presStyleCnt="7"/>
+      <dgm:spPr/>
+      <dgm:t>
+        <a:bodyPr/>
+        <a:lstStyle/>
+        <a:p>
+          <a:endParaRPr lang="fr-FR"/>
+        </a:p>
+      </dgm:t>
+    </dgm:pt>
+    <dgm:pt modelId="{A90DD926-A6DA-4EF0-BB93-7039A1DC5B16}" type="pres">
+      <dgm:prSet presAssocID="{88CE0738-7E18-4C45-B933-041563D3A538}" presName="hierChild4" presStyleCnt="0"/>
+      <dgm:spPr/>
+    </dgm:pt>
+    <dgm:pt modelId="{3A51EFFE-F78E-40AA-95D0-B0FDD35570E5}" type="pres">
+      <dgm:prSet presAssocID="{35214945-E0B2-48E2-8D39-067E327505C0}" presName="Name37" presStyleLbl="parChTrans1D4" presStyleIdx="2" presStyleCnt="8"/>
+      <dgm:spPr/>
+      <dgm:t>
+        <a:bodyPr/>
+        <a:lstStyle/>
+        <a:p>
+          <a:endParaRPr lang="fr-FR"/>
+        </a:p>
+      </dgm:t>
+    </dgm:pt>
+    <dgm:pt modelId="{33A18DF9-E270-4387-972B-1EAC284E468C}" type="pres">
+      <dgm:prSet presAssocID="{BA665729-B573-440A-8EFB-69D8A0AB4977}" presName="hierRoot2" presStyleCnt="0">
+        <dgm:presLayoutVars>
+          <dgm:hierBranch val="init"/>
+        </dgm:presLayoutVars>
+      </dgm:prSet>
+      <dgm:spPr/>
+    </dgm:pt>
+    <dgm:pt modelId="{27C186BD-99CC-4845-B20C-6D050B4AD380}" type="pres">
+      <dgm:prSet presAssocID="{BA665729-B573-440A-8EFB-69D8A0AB4977}" presName="rootComposite" presStyleCnt="0"/>
+      <dgm:spPr/>
+    </dgm:pt>
+    <dgm:pt modelId="{96FE9CF6-5D24-4138-A663-17DB2D598409}" type="pres">
+      <dgm:prSet presAssocID="{BA665729-B573-440A-8EFB-69D8A0AB4977}" presName="rootText" presStyleLbl="node4" presStyleIdx="2" presStyleCnt="7">
+        <dgm:presLayoutVars>
+          <dgm:chPref val="3"/>
+        </dgm:presLayoutVars>
+      </dgm:prSet>
+      <dgm:spPr/>
+      <dgm:t>
+        <a:bodyPr/>
+        <a:lstStyle/>
+        <a:p>
+          <a:endParaRPr lang="fr-FR"/>
+        </a:p>
+      </dgm:t>
+    </dgm:pt>
+    <dgm:pt modelId="{B4840496-270A-44ED-AB4F-F49DACCF3817}" type="pres">
+      <dgm:prSet presAssocID="{BA665729-B573-440A-8EFB-69D8A0AB4977}" presName="rootConnector" presStyleLbl="node4" presStyleIdx="2" presStyleCnt="7"/>
+      <dgm:spPr/>
+      <dgm:t>
+        <a:bodyPr/>
+        <a:lstStyle/>
+        <a:p>
+          <a:endParaRPr lang="fr-FR"/>
+        </a:p>
+      </dgm:t>
+    </dgm:pt>
+    <dgm:pt modelId="{2CB7221E-3826-4D3E-8EEB-792E32EFC538}" type="pres">
+      <dgm:prSet presAssocID="{BA665729-B573-440A-8EFB-69D8A0AB4977}" presName="hierChild4" presStyleCnt="0"/>
+      <dgm:spPr/>
+    </dgm:pt>
+    <dgm:pt modelId="{3B59541B-C74A-4BC0-B5F6-8B31C0E6D624}" type="pres">
+      <dgm:prSet presAssocID="{BA665729-B573-440A-8EFB-69D8A0AB4977}" presName="hierChild5" presStyleCnt="0"/>
+      <dgm:spPr/>
+    </dgm:pt>
+    <dgm:pt modelId="{31E6F486-966B-40D6-8DE7-133F0352FA54}" type="pres">
+      <dgm:prSet presAssocID="{88CE0738-7E18-4C45-B933-041563D3A538}" presName="hierChild5" presStyleCnt="0"/>
+      <dgm:spPr/>
+    </dgm:pt>
+    <dgm:pt modelId="{BADAAB4F-FD86-4B42-B1F0-7BACD9D7CDC4}" type="pres">
+      <dgm:prSet presAssocID="{588BFD49-01C4-4913-ABAF-1D84300757A6}" presName="Name37" presStyleLbl="parChTrans1D4" presStyleIdx="3" presStyleCnt="8"/>
+      <dgm:spPr/>
+      <dgm:t>
+        <a:bodyPr/>
+        <a:lstStyle/>
+        <a:p>
+          <a:endParaRPr lang="fr-FR"/>
+        </a:p>
+      </dgm:t>
+    </dgm:pt>
+    <dgm:pt modelId="{CDC6FFA8-6667-4A8B-8A3E-E45A4C206620}" type="pres">
+      <dgm:prSet presAssocID="{FE8E00C2-3567-4CE1-8D64-5A4874BA3F0C}" presName="hierRoot2" presStyleCnt="0">
+        <dgm:presLayoutVars>
+          <dgm:hierBranch val="init"/>
+        </dgm:presLayoutVars>
+      </dgm:prSet>
+      <dgm:spPr/>
+    </dgm:pt>
+    <dgm:pt modelId="{A322FD29-2375-438A-8205-F08BB6DD59C8}" type="pres">
+      <dgm:prSet presAssocID="{FE8E00C2-3567-4CE1-8D64-5A4874BA3F0C}" presName="rootComposite" presStyleCnt="0"/>
+      <dgm:spPr/>
+    </dgm:pt>
+    <dgm:pt modelId="{4B7B9A27-C562-47E9-9A3A-B9161CFD434A}" type="pres">
+      <dgm:prSet presAssocID="{FE8E00C2-3567-4CE1-8D64-5A4874BA3F0C}" presName="rootText" presStyleLbl="node4" presStyleIdx="3" presStyleCnt="7">
+        <dgm:presLayoutVars>
+          <dgm:chPref val="3"/>
+        </dgm:presLayoutVars>
+      </dgm:prSet>
+      <dgm:spPr/>
+      <dgm:t>
+        <a:bodyPr/>
+        <a:lstStyle/>
+        <a:p>
+          <a:endParaRPr lang="fr-FR"/>
+        </a:p>
+      </dgm:t>
+    </dgm:pt>
+    <dgm:pt modelId="{7ACA72BB-9F4F-481A-A71A-0B1866116AE6}" type="pres">
+      <dgm:prSet presAssocID="{FE8E00C2-3567-4CE1-8D64-5A4874BA3F0C}" presName="rootConnector" presStyleLbl="node4" presStyleIdx="3" presStyleCnt="7"/>
+      <dgm:spPr/>
+      <dgm:t>
+        <a:bodyPr/>
+        <a:lstStyle/>
+        <a:p>
+          <a:endParaRPr lang="fr-FR"/>
+        </a:p>
+      </dgm:t>
+    </dgm:pt>
+    <dgm:pt modelId="{875E5EB3-A31B-448F-8E5F-744BC468AE27}" type="pres">
+      <dgm:prSet presAssocID="{FE8E00C2-3567-4CE1-8D64-5A4874BA3F0C}" presName="hierChild4" presStyleCnt="0"/>
+      <dgm:spPr/>
+    </dgm:pt>
+    <dgm:pt modelId="{67ACE794-146F-4D94-B801-379225EAA81C}" type="pres">
+      <dgm:prSet presAssocID="{10BC2771-F0A4-4059-86D6-8694B66FBE9D}" presName="Name37" presStyleLbl="parChTrans1D4" presStyleIdx="4" presStyleCnt="8"/>
+      <dgm:spPr/>
+      <dgm:t>
+        <a:bodyPr/>
+        <a:lstStyle/>
+        <a:p>
+          <a:endParaRPr lang="fr-FR"/>
+        </a:p>
+      </dgm:t>
+    </dgm:pt>
+    <dgm:pt modelId="{27192897-06EB-4DE9-8C21-2A352E5E5F5F}" type="pres">
+      <dgm:prSet presAssocID="{1CFCB0D1-E0C4-40A6-AC47-53AA4A90CA6B}" presName="hierRoot2" presStyleCnt="0">
+        <dgm:presLayoutVars>
+          <dgm:hierBranch val="init"/>
+        </dgm:presLayoutVars>
+      </dgm:prSet>
+      <dgm:spPr/>
+    </dgm:pt>
+    <dgm:pt modelId="{60E15897-E344-4360-A299-08A85F4C0EC3}" type="pres">
+      <dgm:prSet presAssocID="{1CFCB0D1-E0C4-40A6-AC47-53AA4A90CA6B}" presName="rootComposite" presStyleCnt="0"/>
+      <dgm:spPr/>
+    </dgm:pt>
+    <dgm:pt modelId="{7D01C8DE-7EA2-4D2A-8D5F-AB3A3429FDF3}" type="pres">
+      <dgm:prSet presAssocID="{1CFCB0D1-E0C4-40A6-AC47-53AA4A90CA6B}" presName="rootText" presStyleLbl="node4" presStyleIdx="4" presStyleCnt="7">
+        <dgm:presLayoutVars>
+          <dgm:chPref val="3"/>
+        </dgm:presLayoutVars>
+      </dgm:prSet>
+      <dgm:spPr/>
+      <dgm:t>
+        <a:bodyPr/>
+        <a:lstStyle/>
+        <a:p>
+          <a:endParaRPr lang="fr-FR"/>
+        </a:p>
+      </dgm:t>
+    </dgm:pt>
+    <dgm:pt modelId="{EEB97329-FEB0-41EF-87CE-1F81E1C43BD0}" type="pres">
+      <dgm:prSet presAssocID="{1CFCB0D1-E0C4-40A6-AC47-53AA4A90CA6B}" presName="rootConnector" presStyleLbl="node4" presStyleIdx="4" presStyleCnt="7"/>
+      <dgm:spPr/>
+      <dgm:t>
+        <a:bodyPr/>
+        <a:lstStyle/>
+        <a:p>
+          <a:endParaRPr lang="fr-FR"/>
+        </a:p>
+      </dgm:t>
+    </dgm:pt>
+    <dgm:pt modelId="{0317A526-24D9-4896-B71E-895B7EF816B7}" type="pres">
+      <dgm:prSet presAssocID="{1CFCB0D1-E0C4-40A6-AC47-53AA4A90CA6B}" presName="hierChild4" presStyleCnt="0"/>
+      <dgm:spPr/>
+    </dgm:pt>
+    <dgm:pt modelId="{8903FCED-16C6-4D78-9EFD-BB666736FA23}" type="pres">
+      <dgm:prSet presAssocID="{1CFCB0D1-E0C4-40A6-AC47-53AA4A90CA6B}" presName="hierChild5" presStyleCnt="0"/>
+      <dgm:spPr/>
+    </dgm:pt>
+    <dgm:pt modelId="{ED93172B-F7C2-4CC5-A47C-BEA7179028C1}" type="pres">
+      <dgm:prSet presAssocID="{FE8E00C2-3567-4CE1-8D64-5A4874BA3F0C}" presName="hierChild5" presStyleCnt="0"/>
+      <dgm:spPr/>
+    </dgm:pt>
+    <dgm:pt modelId="{054A3679-6DB4-49F3-8C26-2F52A54F99F2}" type="pres">
+      <dgm:prSet presAssocID="{F37DD941-5A36-4DE4-B510-5F9454FEC219}" presName="Name37" presStyleLbl="parChTrans1D4" presStyleIdx="5" presStyleCnt="8"/>
+      <dgm:spPr/>
+      <dgm:t>
+        <a:bodyPr/>
+        <a:lstStyle/>
+        <a:p>
+          <a:endParaRPr lang="fr-FR"/>
+        </a:p>
+      </dgm:t>
+    </dgm:pt>
+    <dgm:pt modelId="{6FAF85EF-485C-485B-B40F-308A77F7549C}" type="pres">
+      <dgm:prSet presAssocID="{DB8D4B86-EAE1-4EBB-A308-5F2EF0649AB5}" presName="hierRoot2" presStyleCnt="0">
+        <dgm:presLayoutVars>
+          <dgm:hierBranch val="init"/>
+        </dgm:presLayoutVars>
+      </dgm:prSet>
+      <dgm:spPr/>
+    </dgm:pt>
+    <dgm:pt modelId="{48252CDE-53B9-41AF-A925-ABD83E3B6190}" type="pres">
+      <dgm:prSet presAssocID="{DB8D4B86-EAE1-4EBB-A308-5F2EF0649AB5}" presName="rootComposite" presStyleCnt="0"/>
+      <dgm:spPr/>
+    </dgm:pt>
+    <dgm:pt modelId="{2D77E0AE-78B0-4DEB-8CCB-8D78211F531D}" type="pres">
+      <dgm:prSet presAssocID="{DB8D4B86-EAE1-4EBB-A308-5F2EF0649AB5}" presName="rootText" presStyleLbl="node4" presStyleIdx="5" presStyleCnt="7">
+        <dgm:presLayoutVars>
+          <dgm:chPref val="3"/>
+        </dgm:presLayoutVars>
+      </dgm:prSet>
+      <dgm:spPr/>
+      <dgm:t>
+        <a:bodyPr/>
+        <a:lstStyle/>
+        <a:p>
+          <a:endParaRPr lang="fr-FR"/>
+        </a:p>
+      </dgm:t>
+    </dgm:pt>
+    <dgm:pt modelId="{1B29354A-52D7-43EE-A8A0-4C6EAF292472}" type="pres">
+      <dgm:prSet presAssocID="{DB8D4B86-EAE1-4EBB-A308-5F2EF0649AB5}" presName="rootConnector" presStyleLbl="node4" presStyleIdx="5" presStyleCnt="7"/>
+      <dgm:spPr/>
+      <dgm:t>
+        <a:bodyPr/>
+        <a:lstStyle/>
+        <a:p>
+          <a:endParaRPr lang="fr-FR"/>
+        </a:p>
+      </dgm:t>
+    </dgm:pt>
+    <dgm:pt modelId="{B8C2AB08-4030-4324-A346-0ADFFF6A220B}" type="pres">
+      <dgm:prSet presAssocID="{DB8D4B86-EAE1-4EBB-A308-5F2EF0649AB5}" presName="hierChild4" presStyleCnt="0"/>
+      <dgm:spPr/>
+    </dgm:pt>
+    <dgm:pt modelId="{E6044AFF-44CE-41E1-BB98-7D21743B2DB0}" type="pres">
+      <dgm:prSet presAssocID="{89CC62A3-F209-4384-B6F2-3440566D0F48}" presName="Name37" presStyleLbl="parChTrans1D4" presStyleIdx="6" presStyleCnt="8"/>
+      <dgm:spPr/>
+      <dgm:t>
+        <a:bodyPr/>
+        <a:lstStyle/>
+        <a:p>
+          <a:endParaRPr lang="fr-FR"/>
+        </a:p>
+      </dgm:t>
+    </dgm:pt>
+    <dgm:pt modelId="{519FC517-4287-4682-BB54-45532D8C30FD}" type="pres">
+      <dgm:prSet presAssocID="{36E70564-AA39-4BA2-B033-AEF76566BB58}" presName="hierRoot2" presStyleCnt="0">
+        <dgm:presLayoutVars>
+          <dgm:hierBranch val="init"/>
+        </dgm:presLayoutVars>
+      </dgm:prSet>
+      <dgm:spPr/>
+    </dgm:pt>
+    <dgm:pt modelId="{43B8E67C-0B1C-4C88-BEF6-179D508ED24E}" type="pres">
+      <dgm:prSet presAssocID="{36E70564-AA39-4BA2-B033-AEF76566BB58}" presName="rootComposite" presStyleCnt="0"/>
+      <dgm:spPr/>
+    </dgm:pt>
+    <dgm:pt modelId="{E408CB39-44F0-44D0-BB3B-86CBD8758BCE}" type="pres">
+      <dgm:prSet presAssocID="{36E70564-AA39-4BA2-B033-AEF76566BB58}" presName="rootText" presStyleLbl="node4" presStyleIdx="6" presStyleCnt="7">
+        <dgm:presLayoutVars>
+          <dgm:chPref val="3"/>
+        </dgm:presLayoutVars>
+      </dgm:prSet>
+      <dgm:spPr/>
+      <dgm:t>
+        <a:bodyPr/>
+        <a:lstStyle/>
+        <a:p>
+          <a:endParaRPr lang="fr-FR"/>
+        </a:p>
+      </dgm:t>
+    </dgm:pt>
+    <dgm:pt modelId="{39AFF78F-0592-4354-98D1-EA5FBFF35341}" type="pres">
+      <dgm:prSet presAssocID="{36E70564-AA39-4BA2-B033-AEF76566BB58}" presName="rootConnector" presStyleLbl="node4" presStyleIdx="6" presStyleCnt="7"/>
+      <dgm:spPr/>
+      <dgm:t>
+        <a:bodyPr/>
+        <a:lstStyle/>
+        <a:p>
+          <a:endParaRPr lang="fr-FR"/>
+        </a:p>
+      </dgm:t>
+    </dgm:pt>
+    <dgm:pt modelId="{C250490F-76EB-4F65-B80C-A38A2ADA79E7}" type="pres">
+      <dgm:prSet presAssocID="{36E70564-AA39-4BA2-B033-AEF76566BB58}" presName="hierChild4" presStyleCnt="0"/>
+      <dgm:spPr/>
+    </dgm:pt>
+    <dgm:pt modelId="{784068E6-F3BA-4E12-BEA6-4C82F9C7FCC5}" type="pres">
+      <dgm:prSet presAssocID="{36E70564-AA39-4BA2-B033-AEF76566BB58}" presName="hierChild5" presStyleCnt="0"/>
+      <dgm:spPr/>
+    </dgm:pt>
+    <dgm:pt modelId="{7E68D27D-0AA3-4710-A4AE-0EA37AF798A2}" type="pres">
+      <dgm:prSet presAssocID="{DB8D4B86-EAE1-4EBB-A308-5F2EF0649AB5}" presName="hierChild5" presStyleCnt="0"/>
+      <dgm:spPr/>
+    </dgm:pt>
+    <dgm:pt modelId="{224F9E86-FF90-4FFD-991A-AC4C58199F68}" type="pres">
+      <dgm:prSet presAssocID="{48F4B8B1-25B8-4734-8ECA-6AD5D3CDF359}" presName="hierChild5" presStyleCnt="0"/>
+      <dgm:spPr/>
+    </dgm:pt>
+    <dgm:pt modelId="{0C080F80-E126-41BD-870D-2F32316D5F59}" type="pres">
+      <dgm:prSet presAssocID="{56A5059A-4D7C-4AA8-817C-B6694AD074A0}" presName="Name111" presStyleLbl="parChTrans1D4" presStyleIdx="7" presStyleCnt="8"/>
+      <dgm:spPr/>
+      <dgm:t>
+        <a:bodyPr/>
+        <a:lstStyle/>
+        <a:p>
+          <a:endParaRPr lang="fr-FR"/>
+        </a:p>
+      </dgm:t>
+    </dgm:pt>
+    <dgm:pt modelId="{89F8A264-CD61-46CE-9264-85CF5768137F}" type="pres">
+      <dgm:prSet presAssocID="{015A57B5-BA08-4F8F-B5B0-B9820F399524}" presName="hierRoot3" presStyleCnt="0">
+        <dgm:presLayoutVars>
+          <dgm:hierBranch val="init"/>
+        </dgm:presLayoutVars>
+      </dgm:prSet>
+      <dgm:spPr/>
+    </dgm:pt>
+    <dgm:pt modelId="{E27E3134-49DA-4975-BD0C-342F1429070D}" type="pres">
+      <dgm:prSet presAssocID="{015A57B5-BA08-4F8F-B5B0-B9820F399524}" presName="rootComposite3" presStyleCnt="0"/>
+      <dgm:spPr/>
+    </dgm:pt>
+    <dgm:pt modelId="{A9A8FA29-8F02-4F02-8464-810C3992C86F}" type="pres">
+      <dgm:prSet presAssocID="{015A57B5-BA08-4F8F-B5B0-B9820F399524}" presName="rootText3" presStyleLbl="asst4" presStyleIdx="0" presStyleCnt="1">
+        <dgm:presLayoutVars>
+          <dgm:chPref val="3"/>
+        </dgm:presLayoutVars>
+      </dgm:prSet>
+      <dgm:spPr/>
+      <dgm:t>
+        <a:bodyPr/>
+        <a:lstStyle/>
+        <a:p>
+          <a:endParaRPr lang="fr-FR"/>
+        </a:p>
+      </dgm:t>
+    </dgm:pt>
     <dgm:pt modelId="{26433678-79FB-4E1A-89A8-EB84B0E23A47}" type="pres">
       <dgm:prSet presAssocID="{015A57B5-BA08-4F8F-B5B0-B9820F399524}" presName="rootConnector3" presStyleLbl="asst4" presStyleIdx="0" presStyleCnt="1"/>
       <dgm:spPr/>
+      <dgm:t>
+        <a:bodyPr/>
+        <a:lstStyle/>
+        <a:p>
+          <a:endParaRPr lang="fr-FR"/>
+        </a:p>
+      </dgm:t>
     </dgm:pt>
     <dgm:pt modelId="{F4E497B3-A3AA-47C8-A646-9CA20AA3BFA1}" type="pres">
       <dgm:prSet presAssocID="{015A57B5-BA08-4F8F-B5B0-B9820F399524}" presName="hierChild6" presStyleCnt="0"/>
@@ -3872,58 +4257,58 @@
     </dgm:pt>
   </dgm:ptLst>
   <dgm:cxnLst>
+    <dgm:cxn modelId="{887FDFAC-C5BC-40EF-A729-629923BE489A}" type="presOf" srcId="{FE8E00C2-3567-4CE1-8D64-5A4874BA3F0C}" destId="{4B7B9A27-C562-47E9-9A3A-B9161CFD434A}" srcOrd="0" destOrd="0" presId="urn:microsoft.com/office/officeart/2005/8/layout/orgChart1"/>
+    <dgm:cxn modelId="{86231721-862E-4DB5-B481-7F24407919ED}" type="presOf" srcId="{588BFD49-01C4-4913-ABAF-1D84300757A6}" destId="{BADAAB4F-FD86-4B42-B1F0-7BACD9D7CDC4}" srcOrd="0" destOrd="0" presId="urn:microsoft.com/office/officeart/2005/8/layout/orgChart1"/>
+    <dgm:cxn modelId="{3300A6FD-AA1E-467C-B126-35CE71E75CFB}" type="presOf" srcId="{015A57B5-BA08-4F8F-B5B0-B9820F399524}" destId="{26433678-79FB-4E1A-89A8-EB84B0E23A47}" srcOrd="1" destOrd="0" presId="urn:microsoft.com/office/officeart/2005/8/layout/orgChart1"/>
+    <dgm:cxn modelId="{225BD122-3470-42DD-8701-996A02B26C43}" srcId="{48F4B8B1-25B8-4734-8ECA-6AD5D3CDF359}" destId="{015A57B5-BA08-4F8F-B5B0-B9820F399524}" srcOrd="3" destOrd="0" parTransId="{56A5059A-4D7C-4AA8-817C-B6694AD074A0}" sibTransId="{366AC950-A4C7-41A8-9886-AEFCDAF4231D}"/>
+    <dgm:cxn modelId="{1852904A-2463-4887-AB72-F5F856C4845F}" type="presOf" srcId="{D1D93E46-9BB3-4621-BB38-8D983F2BACFB}" destId="{FA2D9292-DAEF-4002-9293-93C39963DF55}" srcOrd="1" destOrd="0" presId="urn:microsoft.com/office/officeart/2005/8/layout/orgChart1"/>
+    <dgm:cxn modelId="{F26E9E21-8B2C-4D9A-8926-5D804BA3B611}" type="presOf" srcId="{18E82753-EC25-4F3F-B733-569AD07274DE}" destId="{7B327BCE-5F3C-499B-B7FC-9C5A85FA99A1}" srcOrd="1" destOrd="0" presId="urn:microsoft.com/office/officeart/2005/8/layout/orgChart1"/>
+    <dgm:cxn modelId="{9A8B80A4-6374-43ED-A01D-FD00131EB197}" type="presOf" srcId="{6F1FC6AC-A072-4FAB-965B-2EABC6246551}" destId="{F0F8A93B-81DD-476B-B0A2-1042D6BEFB43}" srcOrd="0" destOrd="0" presId="urn:microsoft.com/office/officeart/2005/8/layout/orgChart1"/>
+    <dgm:cxn modelId="{38F7D61A-45EC-4A45-AB82-74FD52A4CA0C}" srcId="{48F4B8B1-25B8-4734-8ECA-6AD5D3CDF359}" destId="{FE8E00C2-3567-4CE1-8D64-5A4874BA3F0C}" srcOrd="1" destOrd="0" parTransId="{588BFD49-01C4-4913-ABAF-1D84300757A6}" sibTransId="{B7F209A1-AD1F-49BE-AE9B-A6EF0CD395D1}"/>
+    <dgm:cxn modelId="{5C21F79C-BB26-4E26-8962-BAF290152FFD}" srcId="{43B2294E-4DF4-4099-9BFD-C5FA9872AE73}" destId="{D1D93E46-9BB3-4621-BB38-8D983F2BACFB}" srcOrd="0" destOrd="0" parTransId="{C42271E0-EDB1-4C09-B195-6867EC8E77AD}" sibTransId="{DE47C5F2-0C54-45B8-AF3C-EA0D25704B35}"/>
+    <dgm:cxn modelId="{6157EADC-EC09-4C68-9DF3-120380B5A08D}" srcId="{88CE0738-7E18-4C45-B933-041563D3A538}" destId="{BA665729-B573-440A-8EFB-69D8A0AB4977}" srcOrd="0" destOrd="0" parTransId="{35214945-E0B2-48E2-8D39-067E327505C0}" sibTransId="{E52A8983-3A93-46D6-997F-13B09E7971ED}"/>
+    <dgm:cxn modelId="{3E8E15E5-2F9C-4E9F-BE01-4A498308725F}" type="presOf" srcId="{59ACA5D2-57B6-4909-9361-AFBB96D68C76}" destId="{D011A198-DFD3-4790-A9A4-EC9876C5D818}" srcOrd="0" destOrd="0" presId="urn:microsoft.com/office/officeart/2005/8/layout/orgChart1"/>
+    <dgm:cxn modelId="{3A30206D-4002-42C3-947F-A1B1ECA0555E}" type="presOf" srcId="{1CFCB0D1-E0C4-40A6-AC47-53AA4A90CA6B}" destId="{EEB97329-FEB0-41EF-87CE-1F81E1C43BD0}" srcOrd="1" destOrd="0" presId="urn:microsoft.com/office/officeart/2005/8/layout/orgChart1"/>
+    <dgm:cxn modelId="{596EE6A9-719A-4A27-A9A1-98E67D0266CB}" srcId="{18E82753-EC25-4F3F-B733-569AD07274DE}" destId="{7DE94A0F-12CD-4F7E-B93D-58A8BC85C75E}" srcOrd="1" destOrd="0" parTransId="{E885A946-0957-42E5-A0BF-62384EB9C0EC}" sibTransId="{FDD21075-EF73-49CA-8BCE-31E224E68FEF}"/>
+    <dgm:cxn modelId="{4402ADD3-98B7-48CD-AE41-4776C2082CE4}" type="presOf" srcId="{35214945-E0B2-48E2-8D39-067E327505C0}" destId="{3A51EFFE-F78E-40AA-95D0-B0FDD35570E5}" srcOrd="0" destOrd="0" presId="urn:microsoft.com/office/officeart/2005/8/layout/orgChart1"/>
+    <dgm:cxn modelId="{CD44972D-9C51-4DDE-90CC-D3200B3EBFD2}" type="presOf" srcId="{36E70564-AA39-4BA2-B033-AEF76566BB58}" destId="{39AFF78F-0592-4354-98D1-EA5FBFF35341}" srcOrd="1" destOrd="0" presId="urn:microsoft.com/office/officeart/2005/8/layout/orgChart1"/>
+    <dgm:cxn modelId="{2B4861A7-9E08-4255-B3C2-7D7D08BA1D8D}" type="presOf" srcId="{7DE94A0F-12CD-4F7E-B93D-58A8BC85C75E}" destId="{E1F38B8F-5975-406E-8B79-FBE60C24267E}" srcOrd="1" destOrd="0" presId="urn:microsoft.com/office/officeart/2005/8/layout/orgChart1"/>
+    <dgm:cxn modelId="{32E1F675-8467-407D-B507-347A783BCB92}" type="presOf" srcId="{43B2294E-4DF4-4099-9BFD-C5FA9872AE73}" destId="{9675AA91-55B8-4A1C-BC76-C03FED5A6282}" srcOrd="1" destOrd="0" presId="urn:microsoft.com/office/officeart/2005/8/layout/orgChart1"/>
+    <dgm:cxn modelId="{66E8B55F-F206-428C-9A15-BB7D6F1B73BA}" srcId="{FE8E00C2-3567-4CE1-8D64-5A4874BA3F0C}" destId="{1CFCB0D1-E0C4-40A6-AC47-53AA4A90CA6B}" srcOrd="0" destOrd="0" parTransId="{10BC2771-F0A4-4059-86D6-8694B66FBE9D}" sibTransId="{8A83B985-365F-4245-A479-E5A10ECE933F}"/>
+    <dgm:cxn modelId="{DBFCE1A0-5993-492E-A879-6188C9976F82}" srcId="{DB8D4B86-EAE1-4EBB-A308-5F2EF0649AB5}" destId="{36E70564-AA39-4BA2-B033-AEF76566BB58}" srcOrd="0" destOrd="0" parTransId="{89CC62A3-F209-4384-B6F2-3440566D0F48}" sibTransId="{1603B34D-61AE-460D-9BF2-521469240705}"/>
+    <dgm:cxn modelId="{4E368E4F-D209-40A2-B03F-92A04BBDD84E}" type="presOf" srcId="{DB8D4B86-EAE1-4EBB-A308-5F2EF0649AB5}" destId="{2D77E0AE-78B0-4DEB-8CCB-8D78211F531D}" srcOrd="0" destOrd="0" presId="urn:microsoft.com/office/officeart/2005/8/layout/orgChart1"/>
+    <dgm:cxn modelId="{3E435781-747A-4435-ADB4-8D53AB4C92C0}" type="presOf" srcId="{015A57B5-BA08-4F8F-B5B0-B9820F399524}" destId="{A9A8FA29-8F02-4F02-8464-810C3992C86F}" srcOrd="0" destOrd="0" presId="urn:microsoft.com/office/officeart/2005/8/layout/orgChart1"/>
+    <dgm:cxn modelId="{41C9A698-13FE-4771-AD5A-4D1771FCDA50}" srcId="{7DE94A0F-12CD-4F7E-B93D-58A8BC85C75E}" destId="{59ACA5D2-57B6-4909-9361-AFBB96D68C76}" srcOrd="0" destOrd="0" parTransId="{5AC17535-A762-4380-BB24-F1E125AEB829}" sibTransId="{F8DCD817-4F1E-4A9F-9693-80592141EE5F}"/>
+    <dgm:cxn modelId="{5292EE9D-8AA8-4B82-A074-D4C7D7DFDF0E}" type="presOf" srcId="{B6E1E1EB-7A2C-4624-B44C-65BD0F0582E5}" destId="{067AD9D1-4D77-4920-80E7-5DEE1D66ACFD}" srcOrd="0" destOrd="0" presId="urn:microsoft.com/office/officeart/2005/8/layout/orgChart1"/>
+    <dgm:cxn modelId="{A0018C60-C586-4192-9DED-F5C7C6064471}" srcId="{48F4B8B1-25B8-4734-8ECA-6AD5D3CDF359}" destId="{DB8D4B86-EAE1-4EBB-A308-5F2EF0649AB5}" srcOrd="2" destOrd="0" parTransId="{F37DD941-5A36-4DE4-B510-5F9454FEC219}" sibTransId="{AAAC1C3C-6E47-41C2-ACD5-B094E1B78A99}"/>
+    <dgm:cxn modelId="{E55D02D6-1265-4E8A-B46E-899FEB440FA9}" type="presOf" srcId="{BA665729-B573-440A-8EFB-69D8A0AB4977}" destId="{B4840496-270A-44ED-AB4F-F49DACCF3817}" srcOrd="1" destOrd="0" presId="urn:microsoft.com/office/officeart/2005/8/layout/orgChart1"/>
+    <dgm:cxn modelId="{E0AE61BF-604B-4496-B20F-9DC1C0D3F2D3}" type="presOf" srcId="{D1D93E46-9BB3-4621-BB38-8D983F2BACFB}" destId="{54EFBA58-291F-4B71-AA4B-154257AD3496}" srcOrd="0" destOrd="0" presId="urn:microsoft.com/office/officeart/2005/8/layout/orgChart1"/>
+    <dgm:cxn modelId="{3E8D45E1-DAD5-49D2-96F9-435B2D03BB4D}" type="presOf" srcId="{E885A946-0957-42E5-A0BF-62384EB9C0EC}" destId="{E51C5BCA-CA71-4D37-898F-95C598F2D56C}" srcOrd="0" destOrd="0" presId="urn:microsoft.com/office/officeart/2005/8/layout/orgChart1"/>
+    <dgm:cxn modelId="{4BB76F62-6269-401E-847A-E481A9246E24}" type="presOf" srcId="{F37DD941-5A36-4DE4-B510-5F9454FEC219}" destId="{054A3679-6DB4-49F3-8C26-2F52A54F99F2}" srcOrd="0" destOrd="0" presId="urn:microsoft.com/office/officeart/2005/8/layout/orgChart1"/>
+    <dgm:cxn modelId="{225AF8FB-EAEE-4066-8FC0-5961AB148502}" type="presOf" srcId="{DB8D4B86-EAE1-4EBB-A308-5F2EF0649AB5}" destId="{1B29354A-52D7-43EE-A8A0-4C6EAF292472}" srcOrd="1" destOrd="0" presId="urn:microsoft.com/office/officeart/2005/8/layout/orgChart1"/>
+    <dgm:cxn modelId="{5B9F0545-7E79-48B2-956C-CFFED01B4AFE}" srcId="{48F4B8B1-25B8-4734-8ECA-6AD5D3CDF359}" destId="{88CE0738-7E18-4C45-B933-041563D3A538}" srcOrd="0" destOrd="0" parTransId="{B6E1E1EB-7A2C-4624-B44C-65BD0F0582E5}" sibTransId="{F7BD503F-80CA-441C-888A-CC5437FAAFE8}"/>
+    <dgm:cxn modelId="{DD9DD7FC-6F99-413B-A399-E077D7535C56}" type="presOf" srcId="{FB60EC8F-8E1F-43DA-A98D-8A19F49D604E}" destId="{D34CF042-BC1D-4B72-AF0C-EAD42163632F}" srcOrd="0" destOrd="0" presId="urn:microsoft.com/office/officeart/2005/8/layout/orgChart1"/>
+    <dgm:cxn modelId="{A32C9445-31B5-40DC-AB0E-A1F3762AEDAF}" type="presOf" srcId="{FE8E00C2-3567-4CE1-8D64-5A4874BA3F0C}" destId="{7ACA72BB-9F4F-481A-A71A-0B1866116AE6}" srcOrd="1" destOrd="0" presId="urn:microsoft.com/office/officeart/2005/8/layout/orgChart1"/>
+    <dgm:cxn modelId="{59D2E1F8-07B1-43D9-8CE7-089D532D6087}" type="presOf" srcId="{48F4B8B1-25B8-4734-8ECA-6AD5D3CDF359}" destId="{F2517F7A-1615-4831-85B8-F47A2F7BCA52}" srcOrd="0" destOrd="0" presId="urn:microsoft.com/office/officeart/2005/8/layout/orgChart1"/>
+    <dgm:cxn modelId="{AA3E49FA-B275-49E0-A24F-5D8F8243E135}" type="presOf" srcId="{5AC17535-A762-4380-BB24-F1E125AEB829}" destId="{1CE09C1A-6828-409C-9C71-595800696B59}" srcOrd="0" destOrd="0" presId="urn:microsoft.com/office/officeart/2005/8/layout/orgChart1"/>
+    <dgm:cxn modelId="{C7D36D31-77A9-4793-9BCA-763E582B6C46}" srcId="{59ACA5D2-57B6-4909-9361-AFBB96D68C76}" destId="{48F4B8B1-25B8-4734-8ECA-6AD5D3CDF359}" srcOrd="0" destOrd="0" parTransId="{DDD4E134-6CF2-4A88-8846-A55D4324F47C}" sibTransId="{8FC8DB2B-6F51-4E8E-B23E-029533AEF871}"/>
+    <dgm:cxn modelId="{A420D473-850F-416B-9896-7BB9562929F1}" type="presOf" srcId="{BA665729-B573-440A-8EFB-69D8A0AB4977}" destId="{96FE9CF6-5D24-4138-A663-17DB2D598409}" srcOrd="0" destOrd="0" presId="urn:microsoft.com/office/officeart/2005/8/layout/orgChart1"/>
+    <dgm:cxn modelId="{5CBAB1B7-8C94-46D2-9BCE-D453A3DF3F4B}" type="presOf" srcId="{C42271E0-EDB1-4C09-B195-6867EC8E77AD}" destId="{28637F55-409D-493E-A2F8-9DD32AB03028}" srcOrd="0" destOrd="0" presId="urn:microsoft.com/office/officeart/2005/8/layout/orgChart1"/>
+    <dgm:cxn modelId="{34589ECD-9254-432C-8A52-BA3A186C95E7}" type="presOf" srcId="{88CE0738-7E18-4C45-B933-041563D3A538}" destId="{2996C41B-9CE8-4986-B62E-E8388F101458}" srcOrd="0" destOrd="0" presId="urn:microsoft.com/office/officeart/2005/8/layout/orgChart1"/>
+    <dgm:cxn modelId="{3A6C8222-413C-48BC-AB68-716C3C6D7FE3}" type="presOf" srcId="{10BC2771-F0A4-4059-86D6-8694B66FBE9D}" destId="{67ACE794-146F-4D94-B801-379225EAA81C}" srcOrd="0" destOrd="0" presId="urn:microsoft.com/office/officeart/2005/8/layout/orgChart1"/>
+    <dgm:cxn modelId="{70074203-499B-4676-8E12-68FAA2B79756}" type="presOf" srcId="{43B2294E-4DF4-4099-9BFD-C5FA9872AE73}" destId="{6453F0B4-45C7-4DCA-B1F8-067C7E93D085}" srcOrd="0" destOrd="0" presId="urn:microsoft.com/office/officeart/2005/8/layout/orgChart1"/>
+    <dgm:cxn modelId="{3FD67339-A5B9-4AA3-A773-4F47EEC1EBC3}" type="presOf" srcId="{59ACA5D2-57B6-4909-9361-AFBB96D68C76}" destId="{3A7EEE81-6271-4125-A191-596684B96741}" srcOrd="1" destOrd="0" presId="urn:microsoft.com/office/officeart/2005/8/layout/orgChart1"/>
+    <dgm:cxn modelId="{1E4B769F-8305-49D3-B52F-2BB5F8F6E033}" type="presOf" srcId="{36E70564-AA39-4BA2-B033-AEF76566BB58}" destId="{E408CB39-44F0-44D0-BB3B-86CBD8758BCE}" srcOrd="0" destOrd="0" presId="urn:microsoft.com/office/officeart/2005/8/layout/orgChart1"/>
+    <dgm:cxn modelId="{51672186-6A35-4247-9B54-B4BF39A41D53}" type="presOf" srcId="{18E82753-EC25-4F3F-B733-569AD07274DE}" destId="{86ABAAA2-3A6B-4052-9DC9-3FD4CC70D332}" srcOrd="0" destOrd="0" presId="urn:microsoft.com/office/officeart/2005/8/layout/orgChart1"/>
+    <dgm:cxn modelId="{FEDE2E68-61C9-4E4D-A8B6-3A872F67B7CE}" type="presOf" srcId="{48F4B8B1-25B8-4734-8ECA-6AD5D3CDF359}" destId="{0E3D9786-AA2C-412F-9B83-79C8AC75FE57}" srcOrd="1" destOrd="0" presId="urn:microsoft.com/office/officeart/2005/8/layout/orgChart1"/>
+    <dgm:cxn modelId="{A136A8DB-494E-4ABB-B241-6405C5598330}" type="presOf" srcId="{7DE94A0F-12CD-4F7E-B93D-58A8BC85C75E}" destId="{442640BB-564E-4D8E-A6BE-356250947D22}" srcOrd="0" destOrd="0" presId="urn:microsoft.com/office/officeart/2005/8/layout/orgChart1"/>
+    <dgm:cxn modelId="{CEF99FEE-0433-4AB5-ADEA-522625DA39E8}" type="presOf" srcId="{DDD4E134-6CF2-4A88-8846-A55D4324F47C}" destId="{41420026-796C-481F-8595-1622C980CD1E}" srcOrd="0" destOrd="0" presId="urn:microsoft.com/office/officeart/2005/8/layout/orgChart1"/>
+    <dgm:cxn modelId="{7721D32A-F136-4658-B42F-A7F7698F8B90}" type="presOf" srcId="{1CFCB0D1-E0C4-40A6-AC47-53AA4A90CA6B}" destId="{7D01C8DE-7EA2-4D2A-8D5F-AB3A3429FDF3}" srcOrd="0" destOrd="0" presId="urn:microsoft.com/office/officeart/2005/8/layout/orgChart1"/>
     <dgm:cxn modelId="{56F37EE4-CCB0-42F2-AA7A-B8A1187781CC}" srcId="{18E82753-EC25-4F3F-B733-569AD07274DE}" destId="{43B2294E-4DF4-4099-9BFD-C5FA9872AE73}" srcOrd="0" destOrd="0" parTransId="{6F1FC6AC-A072-4FAB-965B-2EABC6246551}" sibTransId="{74F763A8-99E3-4E8E-BB3A-CFBF2673A104}"/>
-    <dgm:cxn modelId="{AA3E49FA-B275-49E0-A24F-5D8F8243E135}" type="presOf" srcId="{5AC17535-A762-4380-BB24-F1E125AEB829}" destId="{1CE09C1A-6828-409C-9C71-595800696B59}" srcOrd="0" destOrd="0" presId="urn:microsoft.com/office/officeart/2005/8/layout/orgChart1"/>
-    <dgm:cxn modelId="{86231721-862E-4DB5-B481-7F24407919ED}" type="presOf" srcId="{588BFD49-01C4-4913-ABAF-1D84300757A6}" destId="{BADAAB4F-FD86-4B42-B1F0-7BACD9D7CDC4}" srcOrd="0" destOrd="0" presId="urn:microsoft.com/office/officeart/2005/8/layout/orgChart1"/>
-    <dgm:cxn modelId="{A32C9445-31B5-40DC-AB0E-A1F3762AEDAF}" type="presOf" srcId="{FE8E00C2-3567-4CE1-8D64-5A4874BA3F0C}" destId="{7ACA72BB-9F4F-481A-A71A-0B1866116AE6}" srcOrd="1" destOrd="0" presId="urn:microsoft.com/office/officeart/2005/8/layout/orgChart1"/>
-    <dgm:cxn modelId="{41C9A698-13FE-4771-AD5A-4D1771FCDA50}" srcId="{7DE94A0F-12CD-4F7E-B93D-58A8BC85C75E}" destId="{59ACA5D2-57B6-4909-9361-AFBB96D68C76}" srcOrd="0" destOrd="0" parTransId="{5AC17535-A762-4380-BB24-F1E125AEB829}" sibTransId="{F8DCD817-4F1E-4A9F-9693-80592141EE5F}"/>
-    <dgm:cxn modelId="{225AF8FB-EAEE-4066-8FC0-5961AB148502}" type="presOf" srcId="{DB8D4B86-EAE1-4EBB-A308-5F2EF0649AB5}" destId="{1B29354A-52D7-43EE-A8A0-4C6EAF292472}" srcOrd="1" destOrd="0" presId="urn:microsoft.com/office/officeart/2005/8/layout/orgChart1"/>
-    <dgm:cxn modelId="{A136A8DB-494E-4ABB-B241-6405C5598330}" type="presOf" srcId="{7DE94A0F-12CD-4F7E-B93D-58A8BC85C75E}" destId="{442640BB-564E-4D8E-A6BE-356250947D22}" srcOrd="0" destOrd="0" presId="urn:microsoft.com/office/officeart/2005/8/layout/orgChart1"/>
-    <dgm:cxn modelId="{CD44972D-9C51-4DDE-90CC-D3200B3EBFD2}" type="presOf" srcId="{36E70564-AA39-4BA2-B033-AEF76566BB58}" destId="{39AFF78F-0592-4354-98D1-EA5FBFF35341}" srcOrd="1" destOrd="0" presId="urn:microsoft.com/office/officeart/2005/8/layout/orgChart1"/>
-    <dgm:cxn modelId="{E55D02D6-1265-4E8A-B46E-899FEB440FA9}" type="presOf" srcId="{BA665729-B573-440A-8EFB-69D8A0AB4977}" destId="{B4840496-270A-44ED-AB4F-F49DACCF3817}" srcOrd="1" destOrd="0" presId="urn:microsoft.com/office/officeart/2005/8/layout/orgChart1"/>
-    <dgm:cxn modelId="{3E435781-747A-4435-ADB4-8D53AB4C92C0}" type="presOf" srcId="{015A57B5-BA08-4F8F-B5B0-B9820F399524}" destId="{A9A8FA29-8F02-4F02-8464-810C3992C86F}" srcOrd="0" destOrd="0" presId="urn:microsoft.com/office/officeart/2005/8/layout/orgChart1"/>
-    <dgm:cxn modelId="{7721D32A-F136-4658-B42F-A7F7698F8B90}" type="presOf" srcId="{1CFCB0D1-E0C4-40A6-AC47-53AA4A90CA6B}" destId="{7D01C8DE-7EA2-4D2A-8D5F-AB3A3429FDF3}" srcOrd="0" destOrd="0" presId="urn:microsoft.com/office/officeart/2005/8/layout/orgChart1"/>
-    <dgm:cxn modelId="{C7D36D31-77A9-4793-9BCA-763E582B6C46}" srcId="{59ACA5D2-57B6-4909-9361-AFBB96D68C76}" destId="{48F4B8B1-25B8-4734-8ECA-6AD5D3CDF359}" srcOrd="0" destOrd="0" parTransId="{DDD4E134-6CF2-4A88-8846-A55D4324F47C}" sibTransId="{8FC8DB2B-6F51-4E8E-B23E-029533AEF871}"/>
-    <dgm:cxn modelId="{FEDE2E68-61C9-4E4D-A8B6-3A872F67B7CE}" type="presOf" srcId="{48F4B8B1-25B8-4734-8ECA-6AD5D3CDF359}" destId="{0E3D9786-AA2C-412F-9B83-79C8AC75FE57}" srcOrd="1" destOrd="0" presId="urn:microsoft.com/office/officeart/2005/8/layout/orgChart1"/>
+    <dgm:cxn modelId="{F654D399-B4B2-4799-B1D7-0310B1DF89CE}" srcId="{FB60EC8F-8E1F-43DA-A98D-8A19F49D604E}" destId="{18E82753-EC25-4F3F-B733-569AD07274DE}" srcOrd="0" destOrd="0" parTransId="{0D6784CA-99B8-4223-BD00-6C0D06CE280E}" sibTransId="{4EB3BD76-6789-41EE-B1E1-0D73B7751610}"/>
+    <dgm:cxn modelId="{37073681-D8D0-431B-B030-79405F7A6FD4}" type="presOf" srcId="{56A5059A-4D7C-4AA8-817C-B6694AD074A0}" destId="{0C080F80-E126-41BD-870D-2F32316D5F59}" srcOrd="0" destOrd="0" presId="urn:microsoft.com/office/officeart/2005/8/layout/orgChart1"/>
+    <dgm:cxn modelId="{FF0D629D-B8EF-4104-B709-1854A9C15447}" type="presOf" srcId="{88CE0738-7E18-4C45-B933-041563D3A538}" destId="{8D530429-EC5B-485E-A17A-A0A72E3633D3}" srcOrd="1" destOrd="0" presId="urn:microsoft.com/office/officeart/2005/8/layout/orgChart1"/>
     <dgm:cxn modelId="{F0D52016-29A2-4E0A-B251-4EE054D1E9F8}" type="presOf" srcId="{89CC62A3-F209-4384-B6F2-3440566D0F48}" destId="{E6044AFF-44CE-41E1-BB98-7D21743B2DB0}" srcOrd="0" destOrd="0" presId="urn:microsoft.com/office/officeart/2005/8/layout/orgChart1"/>
-    <dgm:cxn modelId="{38F7D61A-45EC-4A45-AB82-74FD52A4CA0C}" srcId="{48F4B8B1-25B8-4734-8ECA-6AD5D3CDF359}" destId="{FE8E00C2-3567-4CE1-8D64-5A4874BA3F0C}" srcOrd="1" destOrd="0" parTransId="{588BFD49-01C4-4913-ABAF-1D84300757A6}" sibTransId="{B7F209A1-AD1F-49BE-AE9B-A6EF0CD395D1}"/>
-    <dgm:cxn modelId="{4E368E4F-D209-40A2-B03F-92A04BBDD84E}" type="presOf" srcId="{DB8D4B86-EAE1-4EBB-A308-5F2EF0649AB5}" destId="{2D77E0AE-78B0-4DEB-8CCB-8D78211F531D}" srcOrd="0" destOrd="0" presId="urn:microsoft.com/office/officeart/2005/8/layout/orgChart1"/>
-    <dgm:cxn modelId="{9A8B80A4-6374-43ED-A01D-FD00131EB197}" type="presOf" srcId="{6F1FC6AC-A072-4FAB-965B-2EABC6246551}" destId="{F0F8A93B-81DD-476B-B0A2-1042D6BEFB43}" srcOrd="0" destOrd="0" presId="urn:microsoft.com/office/officeart/2005/8/layout/orgChart1"/>
-    <dgm:cxn modelId="{225BD122-3470-42DD-8701-996A02B26C43}" srcId="{48F4B8B1-25B8-4734-8ECA-6AD5D3CDF359}" destId="{015A57B5-BA08-4F8F-B5B0-B9820F399524}" srcOrd="3" destOrd="0" parTransId="{56A5059A-4D7C-4AA8-817C-B6694AD074A0}" sibTransId="{366AC950-A4C7-41A8-9886-AEFCDAF4231D}"/>
-    <dgm:cxn modelId="{32E1F675-8467-407D-B507-347A783BCB92}" type="presOf" srcId="{43B2294E-4DF4-4099-9BFD-C5FA9872AE73}" destId="{9675AA91-55B8-4A1C-BC76-C03FED5A6282}" srcOrd="1" destOrd="0" presId="urn:microsoft.com/office/officeart/2005/8/layout/orgChart1"/>
-    <dgm:cxn modelId="{6157EADC-EC09-4C68-9DF3-120380B5A08D}" srcId="{88CE0738-7E18-4C45-B933-041563D3A538}" destId="{BA665729-B573-440A-8EFB-69D8A0AB4977}" srcOrd="0" destOrd="0" parTransId="{35214945-E0B2-48E2-8D39-067E327505C0}" sibTransId="{E52A8983-3A93-46D6-997F-13B09E7971ED}"/>
-    <dgm:cxn modelId="{34589ECD-9254-432C-8A52-BA3A186C95E7}" type="presOf" srcId="{88CE0738-7E18-4C45-B933-041563D3A538}" destId="{2996C41B-9CE8-4986-B62E-E8388F101458}" srcOrd="0" destOrd="0" presId="urn:microsoft.com/office/officeart/2005/8/layout/orgChart1"/>
-    <dgm:cxn modelId="{3E8D45E1-DAD5-49D2-96F9-435B2D03BB4D}" type="presOf" srcId="{E885A946-0957-42E5-A0BF-62384EB9C0EC}" destId="{E51C5BCA-CA71-4D37-898F-95C598F2D56C}" srcOrd="0" destOrd="0" presId="urn:microsoft.com/office/officeart/2005/8/layout/orgChart1"/>
-    <dgm:cxn modelId="{3A6C8222-413C-48BC-AB68-716C3C6D7FE3}" type="presOf" srcId="{10BC2771-F0A4-4059-86D6-8694B66FBE9D}" destId="{67ACE794-146F-4D94-B801-379225EAA81C}" srcOrd="0" destOrd="0" presId="urn:microsoft.com/office/officeart/2005/8/layout/orgChart1"/>
-    <dgm:cxn modelId="{A0018C60-C586-4192-9DED-F5C7C6064471}" srcId="{48F4B8B1-25B8-4734-8ECA-6AD5D3CDF359}" destId="{DB8D4B86-EAE1-4EBB-A308-5F2EF0649AB5}" srcOrd="2" destOrd="0" parTransId="{F37DD941-5A36-4DE4-B510-5F9454FEC219}" sibTransId="{AAAC1C3C-6E47-41C2-ACD5-B094E1B78A99}"/>
-    <dgm:cxn modelId="{596EE6A9-719A-4A27-A9A1-98E67D0266CB}" srcId="{18E82753-EC25-4F3F-B733-569AD07274DE}" destId="{7DE94A0F-12CD-4F7E-B93D-58A8BC85C75E}" srcOrd="1" destOrd="0" parTransId="{E885A946-0957-42E5-A0BF-62384EB9C0EC}" sibTransId="{FDD21075-EF73-49CA-8BCE-31E224E68FEF}"/>
-    <dgm:cxn modelId="{51672186-6A35-4247-9B54-B4BF39A41D53}" type="presOf" srcId="{18E82753-EC25-4F3F-B733-569AD07274DE}" destId="{86ABAAA2-3A6B-4052-9DC9-3FD4CC70D332}" srcOrd="0" destOrd="0" presId="urn:microsoft.com/office/officeart/2005/8/layout/orgChart1"/>
-    <dgm:cxn modelId="{F654D399-B4B2-4799-B1D7-0310B1DF89CE}" srcId="{FB60EC8F-8E1F-43DA-A98D-8A19F49D604E}" destId="{18E82753-EC25-4F3F-B733-569AD07274DE}" srcOrd="0" destOrd="0" parTransId="{0D6784CA-99B8-4223-BD00-6C0D06CE280E}" sibTransId="{4EB3BD76-6789-41EE-B1E1-0D73B7751610}"/>
-    <dgm:cxn modelId="{5B9F0545-7E79-48B2-956C-CFFED01B4AFE}" srcId="{48F4B8B1-25B8-4734-8ECA-6AD5D3CDF359}" destId="{88CE0738-7E18-4C45-B933-041563D3A538}" srcOrd="0" destOrd="0" parTransId="{B6E1E1EB-7A2C-4624-B44C-65BD0F0582E5}" sibTransId="{F7BD503F-80CA-441C-888A-CC5437FAAFE8}"/>
-    <dgm:cxn modelId="{70074203-499B-4676-8E12-68FAA2B79756}" type="presOf" srcId="{43B2294E-4DF4-4099-9BFD-C5FA9872AE73}" destId="{6453F0B4-45C7-4DCA-B1F8-067C7E93D085}" srcOrd="0" destOrd="0" presId="urn:microsoft.com/office/officeart/2005/8/layout/orgChart1"/>
-    <dgm:cxn modelId="{F26E9E21-8B2C-4D9A-8926-5D804BA3B611}" type="presOf" srcId="{18E82753-EC25-4F3F-B733-569AD07274DE}" destId="{7B327BCE-5F3C-499B-B7FC-9C5A85FA99A1}" srcOrd="1" destOrd="0" presId="urn:microsoft.com/office/officeart/2005/8/layout/orgChart1"/>
-    <dgm:cxn modelId="{887FDFAC-C5BC-40EF-A729-629923BE489A}" type="presOf" srcId="{FE8E00C2-3567-4CE1-8D64-5A4874BA3F0C}" destId="{4B7B9A27-C562-47E9-9A3A-B9161CFD434A}" srcOrd="0" destOrd="0" presId="urn:microsoft.com/office/officeart/2005/8/layout/orgChart1"/>
-    <dgm:cxn modelId="{3A30206D-4002-42C3-947F-A1B1ECA0555E}" type="presOf" srcId="{1CFCB0D1-E0C4-40A6-AC47-53AA4A90CA6B}" destId="{EEB97329-FEB0-41EF-87CE-1F81E1C43BD0}" srcOrd="1" destOrd="0" presId="urn:microsoft.com/office/officeart/2005/8/layout/orgChart1"/>
-    <dgm:cxn modelId="{3FD67339-A5B9-4AA3-A773-4F47EEC1EBC3}" type="presOf" srcId="{59ACA5D2-57B6-4909-9361-AFBB96D68C76}" destId="{3A7EEE81-6271-4125-A191-596684B96741}" srcOrd="1" destOrd="0" presId="urn:microsoft.com/office/officeart/2005/8/layout/orgChart1"/>
-    <dgm:cxn modelId="{2B4861A7-9E08-4255-B3C2-7D7D08BA1D8D}" type="presOf" srcId="{7DE94A0F-12CD-4F7E-B93D-58A8BC85C75E}" destId="{E1F38B8F-5975-406E-8B79-FBE60C24267E}" srcOrd="1" destOrd="0" presId="urn:microsoft.com/office/officeart/2005/8/layout/orgChart1"/>
-    <dgm:cxn modelId="{1E4B769F-8305-49D3-B52F-2BB5F8F6E033}" type="presOf" srcId="{36E70564-AA39-4BA2-B033-AEF76566BB58}" destId="{E408CB39-44F0-44D0-BB3B-86CBD8758BCE}" srcOrd="0" destOrd="0" presId="urn:microsoft.com/office/officeart/2005/8/layout/orgChart1"/>
-    <dgm:cxn modelId="{4BB76F62-6269-401E-847A-E481A9246E24}" type="presOf" srcId="{F37DD941-5A36-4DE4-B510-5F9454FEC219}" destId="{054A3679-6DB4-49F3-8C26-2F52A54F99F2}" srcOrd="0" destOrd="0" presId="urn:microsoft.com/office/officeart/2005/8/layout/orgChart1"/>
-    <dgm:cxn modelId="{5292EE9D-8AA8-4B82-A074-D4C7D7DFDF0E}" type="presOf" srcId="{B6E1E1EB-7A2C-4624-B44C-65BD0F0582E5}" destId="{067AD9D1-4D77-4920-80E7-5DEE1D66ACFD}" srcOrd="0" destOrd="0" presId="urn:microsoft.com/office/officeart/2005/8/layout/orgChart1"/>
-    <dgm:cxn modelId="{3300A6FD-AA1E-467C-B126-35CE71E75CFB}" type="presOf" srcId="{015A57B5-BA08-4F8F-B5B0-B9820F399524}" destId="{26433678-79FB-4E1A-89A8-EB84B0E23A47}" srcOrd="1" destOrd="0" presId="urn:microsoft.com/office/officeart/2005/8/layout/orgChart1"/>
-    <dgm:cxn modelId="{59D2E1F8-07B1-43D9-8CE7-089D532D6087}" type="presOf" srcId="{48F4B8B1-25B8-4734-8ECA-6AD5D3CDF359}" destId="{F2517F7A-1615-4831-85B8-F47A2F7BCA52}" srcOrd="0" destOrd="0" presId="urn:microsoft.com/office/officeart/2005/8/layout/orgChart1"/>
-    <dgm:cxn modelId="{DD9DD7FC-6F99-413B-A399-E077D7535C56}" type="presOf" srcId="{FB60EC8F-8E1F-43DA-A98D-8A19F49D604E}" destId="{D34CF042-BC1D-4B72-AF0C-EAD42163632F}" srcOrd="0" destOrd="0" presId="urn:microsoft.com/office/officeart/2005/8/layout/orgChart1"/>
-    <dgm:cxn modelId="{A420D473-850F-416B-9896-7BB9562929F1}" type="presOf" srcId="{BA665729-B573-440A-8EFB-69D8A0AB4977}" destId="{96FE9CF6-5D24-4138-A663-17DB2D598409}" srcOrd="0" destOrd="0" presId="urn:microsoft.com/office/officeart/2005/8/layout/orgChart1"/>
-    <dgm:cxn modelId="{66E8B55F-F206-428C-9A15-BB7D6F1B73BA}" srcId="{FE8E00C2-3567-4CE1-8D64-5A4874BA3F0C}" destId="{1CFCB0D1-E0C4-40A6-AC47-53AA4A90CA6B}" srcOrd="0" destOrd="0" parTransId="{10BC2771-F0A4-4059-86D6-8694B66FBE9D}" sibTransId="{8A83B985-365F-4245-A479-E5A10ECE933F}"/>
-    <dgm:cxn modelId="{CEF99FEE-0433-4AB5-ADEA-522625DA39E8}" type="presOf" srcId="{DDD4E134-6CF2-4A88-8846-A55D4324F47C}" destId="{41420026-796C-481F-8595-1622C980CD1E}" srcOrd="0" destOrd="0" presId="urn:microsoft.com/office/officeart/2005/8/layout/orgChart1"/>
-    <dgm:cxn modelId="{3E8E15E5-2F9C-4E9F-BE01-4A498308725F}" type="presOf" srcId="{59ACA5D2-57B6-4909-9361-AFBB96D68C76}" destId="{D011A198-DFD3-4790-A9A4-EC9876C5D818}" srcOrd="0" destOrd="0" presId="urn:microsoft.com/office/officeart/2005/8/layout/orgChart1"/>
-    <dgm:cxn modelId="{DBFCE1A0-5993-492E-A879-6188C9976F82}" srcId="{DB8D4B86-EAE1-4EBB-A308-5F2EF0649AB5}" destId="{36E70564-AA39-4BA2-B033-AEF76566BB58}" srcOrd="0" destOrd="0" parTransId="{89CC62A3-F209-4384-B6F2-3440566D0F48}" sibTransId="{1603B34D-61AE-460D-9BF2-521469240705}"/>
-    <dgm:cxn modelId="{4402ADD3-98B7-48CD-AE41-4776C2082CE4}" type="presOf" srcId="{35214945-E0B2-48E2-8D39-067E327505C0}" destId="{3A51EFFE-F78E-40AA-95D0-B0FDD35570E5}" srcOrd="0" destOrd="0" presId="urn:microsoft.com/office/officeart/2005/8/layout/orgChart1"/>
-    <dgm:cxn modelId="{37073681-D8D0-431B-B030-79405F7A6FD4}" type="presOf" srcId="{56A5059A-4D7C-4AA8-817C-B6694AD074A0}" destId="{0C080F80-E126-41BD-870D-2F32316D5F59}" srcOrd="0" destOrd="0" presId="urn:microsoft.com/office/officeart/2005/8/layout/orgChart1"/>
-    <dgm:cxn modelId="{1852904A-2463-4887-AB72-F5F856C4845F}" type="presOf" srcId="{D1D93E46-9BB3-4621-BB38-8D983F2BACFB}" destId="{FA2D9292-DAEF-4002-9293-93C39963DF55}" srcOrd="1" destOrd="0" presId="urn:microsoft.com/office/officeart/2005/8/layout/orgChart1"/>
-    <dgm:cxn modelId="{FF0D629D-B8EF-4104-B709-1854A9C15447}" type="presOf" srcId="{88CE0738-7E18-4C45-B933-041563D3A538}" destId="{8D530429-EC5B-485E-A17A-A0A72E3633D3}" srcOrd="1" destOrd="0" presId="urn:microsoft.com/office/officeart/2005/8/layout/orgChart1"/>
-    <dgm:cxn modelId="{5CBAB1B7-8C94-46D2-9BCE-D453A3DF3F4B}" type="presOf" srcId="{C42271E0-EDB1-4C09-B195-6867EC8E77AD}" destId="{28637F55-409D-493E-A2F8-9DD32AB03028}" srcOrd="0" destOrd="0" presId="urn:microsoft.com/office/officeart/2005/8/layout/orgChart1"/>
-    <dgm:cxn modelId="{5C21F79C-BB26-4E26-8962-BAF290152FFD}" srcId="{43B2294E-4DF4-4099-9BFD-C5FA9872AE73}" destId="{D1D93E46-9BB3-4621-BB38-8D983F2BACFB}" srcOrd="0" destOrd="0" parTransId="{C42271E0-EDB1-4C09-B195-6867EC8E77AD}" sibTransId="{DE47C5F2-0C54-45B8-AF3C-EA0D25704B35}"/>
-    <dgm:cxn modelId="{E0AE61BF-604B-4496-B20F-9DC1C0D3F2D3}" type="presOf" srcId="{D1D93E46-9BB3-4621-BB38-8D983F2BACFB}" destId="{54EFBA58-291F-4B71-AA4B-154257AD3496}" srcOrd="0" destOrd="0" presId="urn:microsoft.com/office/officeart/2005/8/layout/orgChart1"/>
     <dgm:cxn modelId="{4E06C165-5DED-493A-9ADF-A4D191702E1D}" type="presParOf" srcId="{D34CF042-BC1D-4B72-AF0C-EAD42163632F}" destId="{095ECD91-9F3C-4A5B-8625-0B24894F4258}" srcOrd="0" destOrd="0" presId="urn:microsoft.com/office/officeart/2005/8/layout/orgChart1"/>
     <dgm:cxn modelId="{BD7C0C7E-CB8F-43F4-83B4-0C54C5259C6C}" type="presParOf" srcId="{095ECD91-9F3C-4A5B-8625-0B24894F4258}" destId="{E6750670-F5FF-498B-BD01-AAC4860AF17F}" srcOrd="0" destOrd="0" presId="urn:microsoft.com/office/officeart/2005/8/layout/orgChart1"/>
     <dgm:cxn modelId="{AD0B4BB5-C787-475C-B001-0D919DF8DACD}" type="presParOf" srcId="{E6750670-F5FF-498B-BD01-AAC4860AF17F}" destId="{86ABAAA2-3A6B-4052-9DC9-3FD4CC70D332}" srcOrd="0" destOrd="0" presId="urn:microsoft.com/office/officeart/2005/8/layout/orgChart1"/>
@@ -14704,11 +15089,7 @@
             </a:r>
             <a:r>
               <a:rPr lang="fr-FR" dirty="0" smtClean="0"/>
-              <a:t> </a:t>
-            </a:r>
-            <a:r>
-              <a:rPr lang="fr-FR" dirty="0" smtClean="0"/>
-              <a:t>influence of the car </a:t>
+              <a:t> influence of the car </a:t>
             </a:r>
             <a:r>
               <a:rPr lang="fr-FR" dirty="0" err="1" smtClean="0"/>
@@ -14724,11 +15105,7 @@
             </a:r>
             <a:r>
               <a:rPr lang="fr-FR" dirty="0" smtClean="0"/>
-              <a:t> </a:t>
-            </a:r>
-            <a:r>
-              <a:rPr lang="fr-FR" dirty="0" smtClean="0"/>
-              <a:t>production. </a:t>
+              <a:t> production. </a:t>
             </a:r>
             <a:r>
               <a:rPr lang="fr-FR" dirty="0" err="1" smtClean="0"/>
